--- a/PERF_EVAL/presentation_Julia.pptx
+++ b/PERF_EVAL/presentation_Julia.pptx
@@ -5,7 +5,7 @@
     <p:sldMasterId id="2147483648" r:id="rId1"/>
   </p:sldMasterIdLst>
   <p:notesMasterIdLst>
-    <p:notesMasterId r:id="rId13"/>
+    <p:notesMasterId r:id="rId15"/>
   </p:notesMasterIdLst>
   <p:sldIdLst>
     <p:sldId id="256" r:id="rId2"/>
@@ -19,6 +19,8 @@
     <p:sldId id="264" r:id="rId10"/>
     <p:sldId id="265" r:id="rId11"/>
     <p:sldId id="266" r:id="rId12"/>
+    <p:sldId id="267" r:id="rId13"/>
+    <p:sldId id="268" r:id="rId14"/>
   </p:sldIdLst>
   <p:sldSz cx="12192000" cy="6858000"/>
   <p:notesSz cx="6858000" cy="9144000"/>
@@ -119,7 +121,18 @@
   </p:defaultTextStyle>
   <p:extLst>
     <p:ext uri="{EFAFB233-063F-42B5-8137-9DF3F51BA10A}">
-      <p15:sldGuideLst xmlns:p15="http://schemas.microsoft.com/office/powerpoint/2012/main"/>
+      <p15:sldGuideLst xmlns:p15="http://schemas.microsoft.com/office/powerpoint/2012/main">
+        <p15:guide id="1" orient="horz" pos="2160" userDrawn="1">
+          <p15:clr>
+            <a:srgbClr val="A4A3A4"/>
+          </p15:clr>
+        </p15:guide>
+        <p15:guide id="2" pos="3840" userDrawn="1">
+          <p15:clr>
+            <a:srgbClr val="A4A3A4"/>
+          </p15:clr>
+        </p15:guide>
+      </p15:sldGuideLst>
     </p:ext>
   </p:extLst>
 </p:presentation>
@@ -174,7 +187,7 @@
             </a:lvl1pPr>
           </a:lstStyle>
           <a:p>
-            <a:endParaRPr lang="en-GB"/>
+            <a:endParaRPr lang="en-GB" dirty="0"/>
           </a:p>
         </p:txBody>
       </p:sp>
@@ -207,9 +220,9 @@
           <a:p>
             <a:fld id="{9D55F566-AC48-4027-B617-B466DC3E3B5A}" type="datetimeFigureOut">
               <a:rPr lang="en-GB" smtClean="0"/>
-              <a:t>07/09/2025</a:t>
+              <a:t>08/09/2025</a:t>
             </a:fld>
-            <a:endParaRPr lang="en-GB"/>
+            <a:endParaRPr lang="en-GB" dirty="0"/>
           </a:p>
         </p:txBody>
       </p:sp>
@@ -242,7 +255,7 @@
           <a:bodyPr vert="horz" lIns="91440" tIns="45720" rIns="91440" bIns="45720" rtlCol="0" anchor="ctr"/>
           <a:lstStyle/>
           <a:p>
-            <a:endParaRPr lang="en-GB"/>
+            <a:endParaRPr lang="en-GB" dirty="0"/>
           </a:p>
         </p:txBody>
       </p:sp>
@@ -333,7 +346,7 @@
             </a:lvl1pPr>
           </a:lstStyle>
           <a:p>
-            <a:endParaRPr lang="en-GB"/>
+            <a:endParaRPr lang="en-GB" dirty="0"/>
           </a:p>
         </p:txBody>
       </p:sp>
@@ -368,7 +381,7 @@
               <a:rPr lang="en-GB" smtClean="0"/>
               <a:t>‹#›</a:t>
             </a:fld>
-            <a:endParaRPr lang="en-GB"/>
+            <a:endParaRPr lang="en-GB" dirty="0"/>
           </a:p>
         </p:txBody>
       </p:sp>
@@ -708,9 +721,9 @@
           <a:p>
             <a:fld id="{2A65074A-A7B6-4154-A47A-6F1D2E4E8C5D}" type="datetime1">
               <a:rPr lang="en-GB" smtClean="0"/>
-              <a:t>07/09/2025</a:t>
+              <a:t>08/09/2025</a:t>
             </a:fld>
-            <a:endParaRPr lang="en-GB"/>
+            <a:endParaRPr lang="en-GB" dirty="0"/>
           </a:p>
         </p:txBody>
       </p:sp>
@@ -735,7 +748,7 @@
           <a:bodyPr/>
           <a:lstStyle/>
           <a:p>
-            <a:endParaRPr lang="en-GB"/>
+            <a:endParaRPr lang="en-GB" dirty="0"/>
           </a:p>
         </p:txBody>
       </p:sp>
@@ -764,7 +777,7 @@
               <a:rPr lang="en-GB" smtClean="0"/>
               <a:t>‹#›</a:t>
             </a:fld>
-            <a:endParaRPr lang="en-GB"/>
+            <a:endParaRPr lang="en-GB" dirty="0"/>
           </a:p>
         </p:txBody>
       </p:sp>
@@ -908,9 +921,9 @@
           <a:p>
             <a:fld id="{7113394D-292B-4FF9-A2B9-7DED62EC482D}" type="datetime1">
               <a:rPr lang="en-GB" smtClean="0"/>
-              <a:t>07/09/2025</a:t>
+              <a:t>08/09/2025</a:t>
             </a:fld>
-            <a:endParaRPr lang="en-GB"/>
+            <a:endParaRPr lang="en-GB" dirty="0"/>
           </a:p>
         </p:txBody>
       </p:sp>
@@ -935,7 +948,7 @@
           <a:bodyPr/>
           <a:lstStyle/>
           <a:p>
-            <a:endParaRPr lang="en-GB"/>
+            <a:endParaRPr lang="en-GB" dirty="0"/>
           </a:p>
         </p:txBody>
       </p:sp>
@@ -964,7 +977,7 @@
               <a:rPr lang="en-GB" smtClean="0"/>
               <a:t>‹#›</a:t>
             </a:fld>
-            <a:endParaRPr lang="en-GB"/>
+            <a:endParaRPr lang="en-GB" dirty="0"/>
           </a:p>
         </p:txBody>
       </p:sp>
@@ -1118,9 +1131,9 @@
           <a:p>
             <a:fld id="{51E4AD21-E657-42F8-9700-23F273B28CC7}" type="datetime1">
               <a:rPr lang="en-GB" smtClean="0"/>
-              <a:t>07/09/2025</a:t>
+              <a:t>08/09/2025</a:t>
             </a:fld>
-            <a:endParaRPr lang="en-GB"/>
+            <a:endParaRPr lang="en-GB" dirty="0"/>
           </a:p>
         </p:txBody>
       </p:sp>
@@ -1145,7 +1158,7 @@
           <a:bodyPr/>
           <a:lstStyle/>
           <a:p>
-            <a:endParaRPr lang="en-GB"/>
+            <a:endParaRPr lang="en-GB" dirty="0"/>
           </a:p>
         </p:txBody>
       </p:sp>
@@ -1174,7 +1187,7 @@
               <a:rPr lang="en-GB" smtClean="0"/>
               <a:t>‹#›</a:t>
             </a:fld>
-            <a:endParaRPr lang="en-GB"/>
+            <a:endParaRPr lang="en-GB" dirty="0"/>
           </a:p>
         </p:txBody>
       </p:sp>
@@ -1318,9 +1331,9 @@
           <a:p>
             <a:fld id="{15F2551B-0F79-4489-8931-2BEC430FDA7D}" type="datetime1">
               <a:rPr lang="en-GB" smtClean="0"/>
-              <a:t>07/09/2025</a:t>
+              <a:t>08/09/2025</a:t>
             </a:fld>
-            <a:endParaRPr lang="en-GB"/>
+            <a:endParaRPr lang="en-GB" dirty="0"/>
           </a:p>
         </p:txBody>
       </p:sp>
@@ -1345,7 +1358,7 @@
           <a:bodyPr/>
           <a:lstStyle/>
           <a:p>
-            <a:endParaRPr lang="en-GB"/>
+            <a:endParaRPr lang="en-GB" dirty="0"/>
           </a:p>
         </p:txBody>
       </p:sp>
@@ -1374,7 +1387,7 @@
               <a:rPr lang="en-GB" smtClean="0"/>
               <a:t>‹#›</a:t>
             </a:fld>
-            <a:endParaRPr lang="en-GB"/>
+            <a:endParaRPr lang="en-GB" dirty="0"/>
           </a:p>
         </p:txBody>
       </p:sp>
@@ -1594,9 +1607,9 @@
           <a:p>
             <a:fld id="{340B7FAB-F407-4339-A360-E2911C2D51BE}" type="datetime1">
               <a:rPr lang="en-GB" smtClean="0"/>
-              <a:t>07/09/2025</a:t>
+              <a:t>08/09/2025</a:t>
             </a:fld>
-            <a:endParaRPr lang="en-GB"/>
+            <a:endParaRPr lang="en-GB" dirty="0"/>
           </a:p>
         </p:txBody>
       </p:sp>
@@ -1621,7 +1634,7 @@
           <a:bodyPr/>
           <a:lstStyle/>
           <a:p>
-            <a:endParaRPr lang="en-GB"/>
+            <a:endParaRPr lang="en-GB" dirty="0"/>
           </a:p>
         </p:txBody>
       </p:sp>
@@ -1650,7 +1663,7 @@
               <a:rPr lang="en-GB" smtClean="0"/>
               <a:t>‹#›</a:t>
             </a:fld>
-            <a:endParaRPr lang="en-GB"/>
+            <a:endParaRPr lang="en-GB" dirty="0"/>
           </a:p>
         </p:txBody>
       </p:sp>
@@ -1862,9 +1875,9 @@
           <a:p>
             <a:fld id="{5C43B96B-4E27-42C8-9BEA-FE8FDCBE9ABC}" type="datetime1">
               <a:rPr lang="en-GB" smtClean="0"/>
-              <a:t>07/09/2025</a:t>
+              <a:t>08/09/2025</a:t>
             </a:fld>
-            <a:endParaRPr lang="en-GB"/>
+            <a:endParaRPr lang="en-GB" dirty="0"/>
           </a:p>
         </p:txBody>
       </p:sp>
@@ -1889,7 +1902,7 @@
           <a:bodyPr/>
           <a:lstStyle/>
           <a:p>
-            <a:endParaRPr lang="en-GB"/>
+            <a:endParaRPr lang="en-GB" dirty="0"/>
           </a:p>
         </p:txBody>
       </p:sp>
@@ -1918,7 +1931,7 @@
               <a:rPr lang="en-GB" smtClean="0"/>
               <a:t>‹#›</a:t>
             </a:fld>
-            <a:endParaRPr lang="en-GB"/>
+            <a:endParaRPr lang="en-GB" dirty="0"/>
           </a:p>
         </p:txBody>
       </p:sp>
@@ -2277,9 +2290,9 @@
           <a:p>
             <a:fld id="{5F85AB22-A3E9-4F58-90A4-34BDD48B3985}" type="datetime1">
               <a:rPr lang="en-GB" smtClean="0"/>
-              <a:t>07/09/2025</a:t>
+              <a:t>08/09/2025</a:t>
             </a:fld>
-            <a:endParaRPr lang="en-GB"/>
+            <a:endParaRPr lang="en-GB" dirty="0"/>
           </a:p>
         </p:txBody>
       </p:sp>
@@ -2304,7 +2317,7 @@
           <a:bodyPr/>
           <a:lstStyle/>
           <a:p>
-            <a:endParaRPr lang="en-GB"/>
+            <a:endParaRPr lang="en-GB" dirty="0"/>
           </a:p>
         </p:txBody>
       </p:sp>
@@ -2333,7 +2346,7 @@
               <a:rPr lang="en-GB" smtClean="0"/>
               <a:t>‹#›</a:t>
             </a:fld>
-            <a:endParaRPr lang="en-GB"/>
+            <a:endParaRPr lang="en-GB" dirty="0"/>
           </a:p>
         </p:txBody>
       </p:sp>
@@ -2419,9 +2432,9 @@
           <a:p>
             <a:fld id="{B7A949E5-0C80-4016-8601-9B02B2D51198}" type="datetime1">
               <a:rPr lang="en-GB" smtClean="0"/>
-              <a:t>07/09/2025</a:t>
+              <a:t>08/09/2025</a:t>
             </a:fld>
-            <a:endParaRPr lang="en-GB"/>
+            <a:endParaRPr lang="en-GB" dirty="0"/>
           </a:p>
         </p:txBody>
       </p:sp>
@@ -2446,7 +2459,7 @@
           <a:bodyPr/>
           <a:lstStyle/>
           <a:p>
-            <a:endParaRPr lang="en-GB"/>
+            <a:endParaRPr lang="en-GB" dirty="0"/>
           </a:p>
         </p:txBody>
       </p:sp>
@@ -2475,7 +2488,7 @@
               <a:rPr lang="en-GB" smtClean="0"/>
               <a:t>‹#›</a:t>
             </a:fld>
-            <a:endParaRPr lang="en-GB"/>
+            <a:endParaRPr lang="en-GB" dirty="0"/>
           </a:p>
         </p:txBody>
       </p:sp>
@@ -2532,9 +2545,9 @@
           <a:p>
             <a:fld id="{492F142D-375B-420C-9B29-5AAA823C1ED2}" type="datetime1">
               <a:rPr lang="en-GB" smtClean="0"/>
-              <a:t>07/09/2025</a:t>
+              <a:t>08/09/2025</a:t>
             </a:fld>
-            <a:endParaRPr lang="en-GB"/>
+            <a:endParaRPr lang="en-GB" dirty="0"/>
           </a:p>
         </p:txBody>
       </p:sp>
@@ -2559,7 +2572,7 @@
           <a:bodyPr/>
           <a:lstStyle/>
           <a:p>
-            <a:endParaRPr lang="en-GB"/>
+            <a:endParaRPr lang="en-GB" dirty="0"/>
           </a:p>
         </p:txBody>
       </p:sp>
@@ -2588,7 +2601,7 @@
               <a:rPr lang="en-GB" smtClean="0"/>
               <a:t>‹#›</a:t>
             </a:fld>
-            <a:endParaRPr lang="en-GB"/>
+            <a:endParaRPr lang="en-GB" dirty="0"/>
           </a:p>
         </p:txBody>
       </p:sp>
@@ -2845,9 +2858,9 @@
           <a:p>
             <a:fld id="{141919DE-B32C-409A-B4DA-0CA07A83A73F}" type="datetime1">
               <a:rPr lang="en-GB" smtClean="0"/>
-              <a:t>07/09/2025</a:t>
+              <a:t>08/09/2025</a:t>
             </a:fld>
-            <a:endParaRPr lang="en-GB"/>
+            <a:endParaRPr lang="en-GB" dirty="0"/>
           </a:p>
         </p:txBody>
       </p:sp>
@@ -2872,7 +2885,7 @@
           <a:bodyPr/>
           <a:lstStyle/>
           <a:p>
-            <a:endParaRPr lang="en-GB"/>
+            <a:endParaRPr lang="en-GB" dirty="0"/>
           </a:p>
         </p:txBody>
       </p:sp>
@@ -2901,7 +2914,7 @@
               <a:rPr lang="en-GB" smtClean="0"/>
               <a:t>‹#›</a:t>
             </a:fld>
-            <a:endParaRPr lang="en-GB"/>
+            <a:endParaRPr lang="en-GB" dirty="0"/>
           </a:p>
         </p:txBody>
       </p:sp>
@@ -3036,7 +3049,7 @@
             </a:lvl9pPr>
           </a:lstStyle>
           <a:p>
-            <a:endParaRPr lang="en-GB"/>
+            <a:endParaRPr lang="en-GB" dirty="0"/>
           </a:p>
         </p:txBody>
       </p:sp>
@@ -3134,9 +3147,9 @@
           <a:p>
             <a:fld id="{F263CC31-967E-4E59-8460-A7813C4F0283}" type="datetime1">
               <a:rPr lang="en-GB" smtClean="0"/>
-              <a:t>07/09/2025</a:t>
+              <a:t>08/09/2025</a:t>
             </a:fld>
-            <a:endParaRPr lang="en-GB"/>
+            <a:endParaRPr lang="en-GB" dirty="0"/>
           </a:p>
         </p:txBody>
       </p:sp>
@@ -3161,7 +3174,7 @@
           <a:bodyPr/>
           <a:lstStyle/>
           <a:p>
-            <a:endParaRPr lang="en-GB"/>
+            <a:endParaRPr lang="en-GB" dirty="0"/>
           </a:p>
         </p:txBody>
       </p:sp>
@@ -3190,7 +3203,7 @@
               <a:rPr lang="en-GB" smtClean="0"/>
               <a:t>‹#›</a:t>
             </a:fld>
-            <a:endParaRPr lang="en-GB"/>
+            <a:endParaRPr lang="en-GB" dirty="0"/>
           </a:p>
         </p:txBody>
       </p:sp>
@@ -3377,9 +3390,9 @@
           <a:p>
             <a:fld id="{DB8DB26D-6AA6-4764-97C2-9BE14F0E5FD8}" type="datetime1">
               <a:rPr lang="en-GB" smtClean="0"/>
-              <a:t>07/09/2025</a:t>
+              <a:t>08/09/2025</a:t>
             </a:fld>
-            <a:endParaRPr lang="en-GB"/>
+            <a:endParaRPr lang="en-GB" dirty="0"/>
           </a:p>
         </p:txBody>
       </p:sp>
@@ -3422,7 +3435,7 @@
             </a:lvl1pPr>
           </a:lstStyle>
           <a:p>
-            <a:endParaRPr lang="en-GB"/>
+            <a:endParaRPr lang="en-GB" dirty="0"/>
           </a:p>
         </p:txBody>
       </p:sp>
@@ -3469,7 +3482,7 @@
               <a:rPr lang="en-GB" smtClean="0"/>
               <a:t>‹#›</a:t>
             </a:fld>
-            <a:endParaRPr lang="en-GB"/>
+            <a:endParaRPr lang="en-GB" dirty="0"/>
           </a:p>
         </p:txBody>
       </p:sp>
@@ -4885,7 +4898,7 @@
       </p:sp>
       <p:pic>
         <p:nvPicPr>
-          <p:cNvPr id="5" name="Immagine 4" descr="Immagine che contiene Elementi grafici, Carattere, logo, grafica&#10;&#10;Il contenuto generato dall'IA potrebbe non essere corretto.">
+          <p:cNvPr id="5" name="Immagine 4">
             <a:extLst>
               <a:ext uri="{FF2B5EF4-FFF2-40B4-BE49-F238E27FC236}">
                 <a16:creationId xmlns:a16="http://schemas.microsoft.com/office/drawing/2014/main" id="{3605C8ED-56E0-EFE6-34D3-442929249BAF}"/>
@@ -4900,19 +4913,18 @@
         <p:blipFill>
           <a:blip r:embed="rId2">
             <a:extLst>
-              <a:ext uri="{28A0092B-C50C-407E-A947-70E740481C1C}">
-                <a14:useLocalDpi xmlns:a14="http://schemas.microsoft.com/office/drawing/2010/main" val="0"/>
+              <a:ext uri="{96DAC541-7B7A-43D3-8B79-37D633B846F1}">
+                <asvg:svgBlip xmlns:asvg="http://schemas.microsoft.com/office/drawing/2016/SVG/main" r:embed="rId3"/>
               </a:ext>
             </a:extLst>
           </a:blip>
-          <a:stretch>
-            <a:fillRect/>
-          </a:stretch>
+          <a:srcRect/>
+          <a:stretch/>
         </p:blipFill>
         <p:spPr>
           <a:xfrm>
-            <a:off x="6606253" y="1840410"/>
-            <a:ext cx="4942280" cy="3177180"/>
+            <a:off x="6096000" y="647454"/>
+            <a:ext cx="5563092" cy="5563092"/>
           </a:xfrm>
           <a:prstGeom prst="rect">
             <a:avLst/>
@@ -4990,42 +5002,6 @@
           </a:p>
         </p:txBody>
       </p:sp>
-      <p:pic>
-        <p:nvPicPr>
-          <p:cNvPr id="3" name="Immagine 2" descr="Immagine che contiene Elementi grafici, Carattere, logo, grafica&#10;&#10;Il contenuto generato dall'IA potrebbe non essere corretto.">
-            <a:extLst>
-              <a:ext uri="{FF2B5EF4-FFF2-40B4-BE49-F238E27FC236}">
-                <a16:creationId xmlns:a16="http://schemas.microsoft.com/office/drawing/2014/main" id="{AC026B54-571F-4201-2A6B-0F9808A9BC37}"/>
-              </a:ext>
-            </a:extLst>
-          </p:cNvPr>
-          <p:cNvPicPr>
-            <a:picLocks noChangeAspect="1"/>
-          </p:cNvPicPr>
-          <p:nvPr/>
-        </p:nvPicPr>
-        <p:blipFill>
-          <a:blip r:embed="rId2">
-            <a:extLst>
-              <a:ext uri="{28A0092B-C50C-407E-A947-70E740481C1C}">
-                <a14:useLocalDpi xmlns:a14="http://schemas.microsoft.com/office/drawing/2010/main" val="0"/>
-              </a:ext>
-            </a:extLst>
-          </a:blip>
-          <a:stretch>
-            <a:fillRect/>
-          </a:stretch>
-        </p:blipFill>
-        <p:spPr>
-          <a:xfrm>
-            <a:off x="11079217" y="139052"/>
-            <a:ext cx="909652" cy="584776"/>
-          </a:xfrm>
-          <a:prstGeom prst="rect">
-            <a:avLst/>
-          </a:prstGeom>
-        </p:spPr>
-      </p:pic>
       <p:sp>
         <p:nvSpPr>
           <p:cNvPr id="4" name="Segnaposto numero diapositiva 3">
@@ -5070,7 +5046,7 @@
           <p:nvPr/>
         </p:nvPicPr>
         <p:blipFill>
-          <a:blip r:embed="rId3">
+          <a:blip r:embed="rId2">
             <a:extLst>
               <a:ext uri="{28A0092B-C50C-407E-A947-70E740481C1C}">
                 <a14:useLocalDpi xmlns:a14="http://schemas.microsoft.com/office/drawing/2010/main" val="0"/>
@@ -5105,7 +5081,7 @@
           <p:nvPr/>
         </p:nvPicPr>
         <p:blipFill>
-          <a:blip r:embed="rId4">
+          <a:blip r:embed="rId3">
             <a:extLst>
               <a:ext uri="{28A0092B-C50C-407E-A947-70E740481C1C}">
                 <a14:useLocalDpi xmlns:a14="http://schemas.microsoft.com/office/drawing/2010/main" val="0"/>
@@ -5162,16 +5138,46 @@
           <a:p>
             <a:r>
               <a:rPr lang="en-US" noProof="0" dirty="0"/>
-              <a:t>Only the D arrays are necessary, they are needed for the update formula; all the others are temporary array that</a:t>
-            </a:r>
-            <a:r>
-              <a:rPr lang="en-US" dirty="0"/>
-              <a:t> only increases the number of memory access.</a:t>
-            </a:r>
-            <a:endParaRPr lang="en-US" noProof="0" dirty="0"/>
+              <a:t>Only the D arrays are necessary, they are needed for the update formula; all the others are temporary array that only increases the number of memory access.</a:t>
+            </a:r>
           </a:p>
         </p:txBody>
       </p:sp>
+      <p:pic>
+        <p:nvPicPr>
+          <p:cNvPr id="5" name="Immagine 3">
+            <a:extLst>
+              <a:ext uri="{FF2B5EF4-FFF2-40B4-BE49-F238E27FC236}">
+                <a16:creationId xmlns:a16="http://schemas.microsoft.com/office/drawing/2014/main" id="{DAAD6940-7758-D2A1-1C03-33B04D33613A}"/>
+              </a:ext>
+            </a:extLst>
+          </p:cNvPr>
+          <p:cNvPicPr>
+            <a:picLocks noChangeAspect="1"/>
+          </p:cNvPicPr>
+          <p:nvPr/>
+        </p:nvPicPr>
+        <p:blipFill>
+          <a:blip r:embed="rId4">
+            <a:extLst>
+              <a:ext uri="{96DAC541-7B7A-43D3-8B79-37D633B846F1}">
+                <asvg:svgBlip xmlns:asvg="http://schemas.microsoft.com/office/drawing/2016/SVG/main" r:embed="rId5"/>
+              </a:ext>
+            </a:extLst>
+          </a:blip>
+          <a:srcRect/>
+          <a:stretch/>
+        </p:blipFill>
+        <p:spPr>
+          <a:xfrm>
+            <a:off x="10636334" y="-12984"/>
+            <a:ext cx="1198880" cy="1198880"/>
+          </a:xfrm>
+          <a:prstGeom prst="rect">
+            <a:avLst/>
+          </a:prstGeom>
+        </p:spPr>
+      </p:pic>
     </p:spTree>
     <p:extLst>
       <p:ext uri="{BB962C8B-B14F-4D97-AF65-F5344CB8AC3E}">
@@ -5208,42 +5214,6 @@
           <a:chExt cx="0" cy="0"/>
         </a:xfrm>
       </p:grpSpPr>
-      <p:pic>
-        <p:nvPicPr>
-          <p:cNvPr id="3" name="Immagine 2" descr="Immagine che contiene Elementi grafici, Carattere, logo, grafica&#10;&#10;Il contenuto generato dall'IA potrebbe non essere corretto.">
-            <a:extLst>
-              <a:ext uri="{FF2B5EF4-FFF2-40B4-BE49-F238E27FC236}">
-                <a16:creationId xmlns:a16="http://schemas.microsoft.com/office/drawing/2014/main" id="{09C4B79B-BB7D-DD39-DB53-0895A48472B2}"/>
-              </a:ext>
-            </a:extLst>
-          </p:cNvPr>
-          <p:cNvPicPr>
-            <a:picLocks noChangeAspect="1"/>
-          </p:cNvPicPr>
-          <p:nvPr/>
-        </p:nvPicPr>
-        <p:blipFill>
-          <a:blip r:embed="rId2">
-            <a:extLst>
-              <a:ext uri="{28A0092B-C50C-407E-A947-70E740481C1C}">
-                <a14:useLocalDpi xmlns:a14="http://schemas.microsoft.com/office/drawing/2010/main" val="0"/>
-              </a:ext>
-            </a:extLst>
-          </a:blip>
-          <a:stretch>
-            <a:fillRect/>
-          </a:stretch>
-        </p:blipFill>
-        <p:spPr>
-          <a:xfrm>
-            <a:off x="11079217" y="139052"/>
-            <a:ext cx="909652" cy="584776"/>
-          </a:xfrm>
-          <a:prstGeom prst="rect">
-            <a:avLst/>
-          </a:prstGeom>
-        </p:spPr>
-      </p:pic>
       <p:sp>
         <p:nvSpPr>
           <p:cNvPr id="4" name="Segnaposto numero diapositiva 3">
@@ -5273,8 +5243,8 @@
           </a:p>
         </p:txBody>
       </p:sp>
-      <mc:AlternateContent xmlns:mc="http://schemas.openxmlformats.org/markup-compatibility/2006">
-        <mc:Choice xmlns:a14="http://schemas.microsoft.com/office/drawing/2010/main" Requires="a14">
+      <mc:AlternateContent xmlns:mc="http://schemas.openxmlformats.org/markup-compatibility/2006" xmlns:a14="http://schemas.microsoft.com/office/drawing/2010/main">
+        <mc:Choice Requires="a14">
           <p:sp>
             <p:nvSpPr>
               <p:cNvPr id="10" name="CasellaDiTesto 4">
@@ -5305,17 +5275,14 @@
               <a:p>
                 <a:r>
                   <a:rPr lang="en-US" noProof="0" dirty="0"/>
-                  <a:t>It accounts for the time of execution and the number of accesses to the memory have been done in that time. </a:t>
-                </a:r>
-                <a:r>
-                  <a:rPr lang="en-US" dirty="0"/>
-                  <a:t>The formula for its evaluation is: </a:t>
+                  <a:t>It accounts for the time of execution and the number of accesses to the memory have been done in that time. The formula for its evaluation is: </a:t>
                 </a:r>
               </a:p>
               <a:p>
-                <a:endParaRPr lang="en-US" dirty="0"/>
+                <a:endParaRPr lang="en-US" noProof="0" dirty="0"/>
               </a:p>
               <a:p>
+                <a:pPr/>
                 <a14:m>
                   <m:oMathPara xmlns:m="http://schemas.openxmlformats.org/officeDocument/2006/math">
                     <m:oMathParaPr>
@@ -5325,14 +5292,14 @@
                       <m:sSub>
                         <m:sSubPr>
                           <m:ctrlPr>
-                            <a:rPr lang="it-IT" b="0" i="1" noProof="0" smtClean="0">
+                            <a:rPr lang="en-US" b="0" i="1" noProof="0" smtClean="0">
                               <a:latin typeface="Cambria Math" panose="02040503050406030204" pitchFamily="18" charset="0"/>
                             </a:rPr>
                           </m:ctrlPr>
                         </m:sSubPr>
                         <m:e>
                           <m:r>
-                            <a:rPr lang="it-IT" b="0" i="1" noProof="0" smtClean="0">
+                            <a:rPr lang="en-US" b="0" i="1" noProof="0" smtClean="0">
                               <a:latin typeface="Cambria Math" panose="02040503050406030204" pitchFamily="18" charset="0"/>
                             </a:rPr>
                             <m:t>𝑇</m:t>
@@ -5340,7 +5307,7 @@
                         </m:e>
                         <m:sub>
                           <m:r>
-                            <a:rPr lang="it-IT" b="0" i="1" noProof="0" smtClean="0">
+                            <a:rPr lang="en-US" b="0" i="1" noProof="0" smtClean="0">
                               <a:latin typeface="Cambria Math" panose="02040503050406030204" pitchFamily="18" charset="0"/>
                             </a:rPr>
                             <m:t>𝑒𝑓𝑓</m:t>
@@ -5348,7 +5315,7 @@
                         </m:sub>
                       </m:sSub>
                       <m:r>
-                        <a:rPr lang="it-IT" b="0" i="1" noProof="0" smtClean="0">
+                        <a:rPr lang="en-US" b="0" i="1" noProof="0" smtClean="0">
                           <a:latin typeface="Cambria Math" panose="02040503050406030204" pitchFamily="18" charset="0"/>
                         </a:rPr>
                         <m:t>=</m:t>
@@ -5356,7 +5323,7 @@
                       <m:f>
                         <m:fPr>
                           <m:ctrlPr>
-                            <a:rPr lang="it-IT" b="0" i="1" noProof="0" smtClean="0">
+                            <a:rPr lang="en-US" b="0" i="1" noProof="0" smtClean="0">
                               <a:latin typeface="Cambria Math" panose="02040503050406030204" pitchFamily="18" charset="0"/>
                             </a:rPr>
                           </m:ctrlPr>
@@ -5365,14 +5332,14 @@
                           <m:sSub>
                             <m:sSubPr>
                               <m:ctrlPr>
-                                <a:rPr lang="it-IT" b="0" i="1" noProof="0" smtClean="0">
+                                <a:rPr lang="en-US" b="0" i="1" noProof="0" smtClean="0">
                                   <a:latin typeface="Cambria Math" panose="02040503050406030204" pitchFamily="18" charset="0"/>
                                 </a:rPr>
                               </m:ctrlPr>
                             </m:sSubPr>
                             <m:e>
                               <m:r>
-                                <a:rPr lang="it-IT" b="0" i="1" noProof="0" smtClean="0">
+                                <a:rPr lang="en-US" b="0" i="1" noProof="0" smtClean="0">
                                   <a:latin typeface="Cambria Math" panose="02040503050406030204" pitchFamily="18" charset="0"/>
                                 </a:rPr>
                                 <m:t>𝑛</m:t>
@@ -5380,7 +5347,7 @@
                             </m:e>
                             <m:sub>
                               <m:r>
-                                <a:rPr lang="it-IT" b="0" i="1" noProof="0" smtClean="0">
+                                <a:rPr lang="en-US" b="0" i="1" noProof="0" smtClean="0">
                                   <a:latin typeface="Cambria Math" panose="02040503050406030204" pitchFamily="18" charset="0"/>
                                 </a:rPr>
                                 <m:t>𝑎𝑐𝑐𝑒𝑠𝑠𝑒𝑠</m:t>
@@ -5390,7 +5357,7 @@
                         </m:num>
                         <m:den>
                           <m:r>
-                            <a:rPr lang="it-IT" b="0" i="1" noProof="0" smtClean="0">
+                            <a:rPr lang="en-US" b="0" i="1" noProof="0" smtClean="0">
                               <a:latin typeface="Cambria Math" panose="02040503050406030204" pitchFamily="18" charset="0"/>
                             </a:rPr>
                             <m:t>1</m:t>
@@ -5398,14 +5365,14 @@
                           <m:sSup>
                             <m:sSupPr>
                               <m:ctrlPr>
-                                <a:rPr lang="it-IT" b="0" i="1" noProof="0" smtClean="0">
+                                <a:rPr lang="en-US" b="0" i="1" noProof="0" smtClean="0">
                                   <a:latin typeface="Cambria Math" panose="02040503050406030204" pitchFamily="18" charset="0"/>
                                 </a:rPr>
                               </m:ctrlPr>
                             </m:sSupPr>
                             <m:e>
                               <m:r>
-                                <a:rPr lang="it-IT" b="0" i="1" noProof="0" smtClean="0">
+                                <a:rPr lang="en-US" b="0" i="1" noProof="0" smtClean="0">
                                   <a:latin typeface="Cambria Math" panose="02040503050406030204" pitchFamily="18" charset="0"/>
                                 </a:rPr>
                                 <m:t>𝑒</m:t>
@@ -5413,7 +5380,7 @@
                             </m:e>
                             <m:sup>
                               <m:r>
-                                <a:rPr lang="it-IT" b="0" i="1" noProof="0" smtClean="0">
+                                <a:rPr lang="en-US" b="0" i="1" noProof="0" smtClean="0">
                                   <a:latin typeface="Cambria Math" panose="02040503050406030204" pitchFamily="18" charset="0"/>
                                 </a:rPr>
                                 <m:t>9</m:t>
@@ -5423,14 +5390,14 @@
                           <m:sSub>
                             <m:sSubPr>
                               <m:ctrlPr>
-                                <a:rPr lang="it-IT" b="0" i="1" noProof="0" smtClean="0">
+                                <a:rPr lang="en-US" b="0" i="1" noProof="0" smtClean="0">
                                   <a:latin typeface="Cambria Math" panose="02040503050406030204" pitchFamily="18" charset="0"/>
                                 </a:rPr>
                               </m:ctrlPr>
                             </m:sSubPr>
                             <m:e>
                               <m:r>
-                                <a:rPr lang="it-IT" b="0" i="1" noProof="0" smtClean="0">
+                                <a:rPr lang="en-US" b="0" i="1" noProof="0" smtClean="0">
                                   <a:latin typeface="Cambria Math" panose="02040503050406030204" pitchFamily="18" charset="0"/>
                                 </a:rPr>
                                 <m:t>𝑛</m:t>
@@ -5438,7 +5405,7 @@
                             </m:e>
                             <m:sub>
                               <m:r>
-                                <a:rPr lang="it-IT" b="0" i="1" noProof="0" smtClean="0">
+                                <a:rPr lang="en-US" b="0" i="1" noProof="0" smtClean="0">
                                   <a:latin typeface="Cambria Math" panose="02040503050406030204" pitchFamily="18" charset="0"/>
                                 </a:rPr>
                                 <m:t>𝑥</m:t>
@@ -5446,7 +5413,7 @@
                             </m:sub>
                           </m:sSub>
                           <m:r>
-                            <a:rPr lang="it-IT" b="0" i="1" noProof="0" smtClean="0">
+                            <a:rPr lang="en-US" b="0" i="1" noProof="0" smtClean="0">
                               <a:latin typeface="Cambria Math" panose="02040503050406030204" pitchFamily="18" charset="0"/>
                             </a:rPr>
                             <m:t> </m:t>
@@ -5454,14 +5421,14 @@
                           <m:sSub>
                             <m:sSubPr>
                               <m:ctrlPr>
-                                <a:rPr lang="it-IT" b="0" i="1" noProof="0" smtClean="0">
+                                <a:rPr lang="en-US" b="0" i="1" noProof="0" smtClean="0">
                                   <a:latin typeface="Cambria Math" panose="02040503050406030204" pitchFamily="18" charset="0"/>
                                 </a:rPr>
                               </m:ctrlPr>
                             </m:sSubPr>
                             <m:e>
                               <m:r>
-                                <a:rPr lang="it-IT" b="0" i="1" noProof="0" smtClean="0">
+                                <a:rPr lang="en-US" b="0" i="1" noProof="0" smtClean="0">
                                   <a:latin typeface="Cambria Math" panose="02040503050406030204" pitchFamily="18" charset="0"/>
                                 </a:rPr>
                                 <m:t>𝑛</m:t>
@@ -5469,7 +5436,7 @@
                             </m:e>
                             <m:sub>
                               <m:r>
-                                <a:rPr lang="it-IT" b="0" i="1" noProof="0" smtClean="0">
+                                <a:rPr lang="en-US" b="0" i="1" noProof="0" smtClean="0">
                                   <a:latin typeface="Cambria Math" panose="02040503050406030204" pitchFamily="18" charset="0"/>
                                 </a:rPr>
                                 <m:t>𝑦</m:t>
@@ -5477,31 +5444,31 @@
                             </m:sub>
                           </m:sSub>
                           <m:r>
-                            <a:rPr lang="it-IT" b="0" i="1" noProof="0" smtClean="0">
+                            <a:rPr lang="en-US" b="0" i="1" noProof="0" smtClean="0">
                               <a:latin typeface="Cambria Math" panose="02040503050406030204" pitchFamily="18" charset="0"/>
                             </a:rPr>
                             <m:t> </m:t>
                           </m:r>
                           <m:r>
-                            <a:rPr lang="it-IT" b="0" i="1" noProof="0" smtClean="0">
+                            <a:rPr lang="en-US" b="0" i="1" noProof="0" smtClean="0">
                               <a:latin typeface="Cambria Math" panose="02040503050406030204" pitchFamily="18" charset="0"/>
                             </a:rPr>
                             <m:t>𝑠𝑖𝑧𝑒𝑜𝑓</m:t>
                           </m:r>
                           <m:r>
-                            <a:rPr lang="it-IT" b="0" i="1" noProof="0" smtClean="0">
+                            <a:rPr lang="en-US" b="0" i="1" noProof="0" smtClean="0">
                               <a:latin typeface="Cambria Math" panose="02040503050406030204" pitchFamily="18" charset="0"/>
                             </a:rPr>
                             <m:t>(</m:t>
                           </m:r>
                           <m:r>
-                            <a:rPr lang="it-IT" b="0" i="1" noProof="0" smtClean="0">
+                            <a:rPr lang="en-US" b="0" i="1" noProof="0" smtClean="0">
                               <a:latin typeface="Cambria Math" panose="02040503050406030204" pitchFamily="18" charset="0"/>
                             </a:rPr>
                             <m:t>𝐹𝑙𝑜𝑎𝑡</m:t>
                           </m:r>
                           <m:r>
-                            <a:rPr lang="it-IT" b="0" i="1" noProof="0" smtClean="0">
+                            <a:rPr lang="en-US" b="0" i="1" noProof="0" smtClean="0">
                               <a:latin typeface="Cambria Math" panose="02040503050406030204" pitchFamily="18" charset="0"/>
                             </a:rPr>
                             <m:t>64)</m:t>
@@ -5509,7 +5476,7 @@
                         </m:den>
                       </m:f>
                       <m:r>
-                        <a:rPr lang="it-IT" b="0" i="1" noProof="0" smtClean="0">
+                        <a:rPr lang="en-US" b="0" i="1" noProof="0" smtClean="0">
                           <a:latin typeface="Cambria Math" panose="02040503050406030204" pitchFamily="18" charset="0"/>
                         </a:rPr>
                         <m:t>∗</m:t>
@@ -5517,14 +5484,14 @@
                       <m:f>
                         <m:fPr>
                           <m:ctrlPr>
-                            <a:rPr lang="it-IT" b="0" i="1" noProof="0" smtClean="0">
+                            <a:rPr lang="en-US" b="0" i="1" noProof="0" smtClean="0">
                               <a:latin typeface="Cambria Math" panose="02040503050406030204" pitchFamily="18" charset="0"/>
                             </a:rPr>
                           </m:ctrlPr>
                         </m:fPr>
                         <m:num>
                           <m:r>
-                            <a:rPr lang="it-IT" b="0" i="1" noProof="0" smtClean="0">
+                            <a:rPr lang="en-US" b="0" i="1" noProof="0" smtClean="0">
                               <a:latin typeface="Cambria Math" panose="02040503050406030204" pitchFamily="18" charset="0"/>
                             </a:rPr>
                             <m:t>1</m:t>
@@ -5534,14 +5501,14 @@
                           <m:sSub>
                             <m:sSubPr>
                               <m:ctrlPr>
-                                <a:rPr lang="it-IT" b="0" i="1" noProof="0" smtClean="0">
+                                <a:rPr lang="en-US" b="0" i="1" noProof="0" smtClean="0">
                                   <a:latin typeface="Cambria Math" panose="02040503050406030204" pitchFamily="18" charset="0"/>
                                 </a:rPr>
                               </m:ctrlPr>
                             </m:sSubPr>
                             <m:e>
                               <m:r>
-                                <a:rPr lang="it-IT" b="0" i="1" noProof="0" smtClean="0">
+                                <a:rPr lang="en-US" b="0" i="1" noProof="0" smtClean="0">
                                   <a:latin typeface="Cambria Math" panose="02040503050406030204" pitchFamily="18" charset="0"/>
                                 </a:rPr>
                                 <m:t>𝑡</m:t>
@@ -5549,7 +5516,7 @@
                             </m:e>
                             <m:sub>
                               <m:r>
-                                <a:rPr lang="it-IT" b="0" i="1" noProof="0" smtClean="0">
+                                <a:rPr lang="en-US" b="0" i="1" noProof="0" smtClean="0">
                                   <a:latin typeface="Cambria Math" panose="02040503050406030204" pitchFamily="18" charset="0"/>
                                 </a:rPr>
                                 <m:t>𝑒𝑥𝑒𝑐𝑢𝑡𝑖𝑜𝑛</m:t>
@@ -5566,7 +5533,7 @@
             </p:txBody>
           </p:sp>
         </mc:Choice>
-        <mc:Fallback>
+        <mc:Fallback xmlns="">
           <p:sp>
             <p:nvSpPr>
               <p:cNvPr id="10" name="CasellaDiTesto 4">
@@ -5590,7 +5557,7 @@
                 <a:avLst/>
               </a:prstGeom>
               <a:blipFill>
-                <a:blip r:embed="rId3"/>
+                <a:blip r:embed="rId2"/>
                 <a:stretch>
                   <a:fillRect l="-530" t="-2008"/>
                 </a:stretch>
@@ -5640,14 +5607,9 @@
           <a:lstStyle/>
           <a:p>
             <a:r>
-              <a:rPr lang="it-IT" sz="3200" b="1" dirty="0"/>
-              <a:t>E</a:t>
-            </a:r>
-            <a:r>
-              <a:rPr lang="en-US" sz="3200" b="1" dirty="0"/>
-              <a:t>ffective memory throughput </a:t>
-            </a:r>
-            <a:endParaRPr lang="en-US" sz="3200" b="1" noProof="0" dirty="0"/>
+              <a:rPr lang="en-US" sz="3200" b="1" noProof="0" dirty="0"/>
+              <a:t>Effective memory throughput </a:t>
+            </a:r>
           </a:p>
         </p:txBody>
       </p:sp>
@@ -5714,7 +5676,7 @@
           </a:p>
           <a:p>
             <a:r>
-              <a:rPr lang="en-US" dirty="0"/>
+              <a:rPr lang="en-US" noProof="0" dirty="0"/>
               <a:t>Leading to the following (maximum) effective throughput memory access:</a:t>
             </a:r>
           </a:p>
@@ -5758,31 +5720,31 @@
               <a:buChar char="•"/>
             </a:pPr>
             <a:r>
-              <a:rPr lang="en-US" dirty="0"/>
+              <a:rPr lang="en-US" noProof="0" dirty="0"/>
               <a:t>GPU_opt: 	</a:t>
             </a:r>
             <a:r>
-              <a:rPr lang="en-US" b="1" dirty="0"/>
+              <a:rPr lang="en-US" b="1" noProof="0" dirty="0"/>
               <a:t>508.27</a:t>
             </a:r>
             <a:r>
-              <a:rPr lang="en-US" dirty="0"/>
+              <a:rPr lang="en-US" noProof="0" dirty="0"/>
               <a:t> GB/s (82.5%)	Threads = (8, 16)	</a:t>
             </a:r>
             <a:r>
-              <a:rPr lang="en-US" dirty="0" err="1"/>
+              <a:rPr lang="en-US" noProof="0" dirty="0" err="1"/>
               <a:t>nx</a:t>
             </a:r>
             <a:r>
-              <a:rPr lang="en-US" dirty="0"/>
+              <a:rPr lang="en-US" noProof="0" dirty="0"/>
               <a:t> = </a:t>
             </a:r>
             <a:r>
-              <a:rPr lang="en-US" dirty="0" err="1"/>
+              <a:rPr lang="en-US" noProof="0" dirty="0" err="1"/>
               <a:t>ny</a:t>
             </a:r>
             <a:r>
-              <a:rPr lang="en-US" dirty="0"/>
+              <a:rPr lang="en-US" noProof="0" dirty="0"/>
               <a:t> = 1024</a:t>
             </a:r>
           </a:p>
@@ -5795,17 +5757,295 @@
           </a:p>
           <a:p>
             <a:r>
+              <a:rPr lang="en-US" noProof="0" dirty="0"/>
+              <a:t>The Peak memory access is </a:t>
+            </a:r>
+            <a:r>
+              <a:rPr lang="en-US" b="1" noProof="0" dirty="0"/>
+              <a:t>616</a:t>
+            </a:r>
+            <a:r>
+              <a:rPr lang="en-US" noProof="0" dirty="0"/>
+              <a:t> GB/s.</a:t>
+            </a:r>
+          </a:p>
+        </p:txBody>
+      </p:sp>
+      <p:pic>
+        <p:nvPicPr>
+          <p:cNvPr id="2" name="Immagine 3">
+            <a:extLst>
+              <a:ext uri="{FF2B5EF4-FFF2-40B4-BE49-F238E27FC236}">
+                <a16:creationId xmlns:a16="http://schemas.microsoft.com/office/drawing/2014/main" id="{28DB6622-0F86-ACB7-A9A2-678577B55723}"/>
+              </a:ext>
+            </a:extLst>
+          </p:cNvPr>
+          <p:cNvPicPr>
+            <a:picLocks noChangeAspect="1"/>
+          </p:cNvPicPr>
+          <p:nvPr/>
+        </p:nvPicPr>
+        <p:blipFill>
+          <a:blip r:embed="rId3">
+            <a:extLst>
+              <a:ext uri="{96DAC541-7B7A-43D3-8B79-37D633B846F1}">
+                <asvg:svgBlip xmlns:asvg="http://schemas.microsoft.com/office/drawing/2016/SVG/main" r:embed="rId4"/>
+              </a:ext>
+            </a:extLst>
+          </a:blip>
+          <a:srcRect/>
+          <a:stretch/>
+        </p:blipFill>
+        <p:spPr>
+          <a:xfrm>
+            <a:off x="10636334" y="-12984"/>
+            <a:ext cx="1198880" cy="1198880"/>
+          </a:xfrm>
+          <a:prstGeom prst="rect">
+            <a:avLst/>
+          </a:prstGeom>
+        </p:spPr>
+      </p:pic>
+    </p:spTree>
+    <p:extLst>
+      <p:ext uri="{BB962C8B-B14F-4D97-AF65-F5344CB8AC3E}">
+        <p14:creationId xmlns:p14="http://schemas.microsoft.com/office/powerpoint/2010/main" val="4144801689"/>
+      </p:ext>
+    </p:extLst>
+  </p:cSld>
+  <p:clrMapOvr>
+    <a:masterClrMapping/>
+  </p:clrMapOvr>
+</p:sld>
+</file>
+
+<file path=ppt/slides/slide12.xml><?xml version="1.0" encoding="utf-8"?>
+<p:sld xmlns:a="http://schemas.openxmlformats.org/drawingml/2006/main" xmlns:r="http://schemas.openxmlformats.org/officeDocument/2006/relationships" xmlns:p="http://schemas.openxmlformats.org/presentationml/2006/main">
+  <p:cSld>
+    <p:spTree>
+      <p:nvGrpSpPr>
+        <p:cNvPr id="1" name=""/>
+        <p:cNvGrpSpPr/>
+        <p:nvPr/>
+      </p:nvGrpSpPr>
+      <p:grpSpPr>
+        <a:xfrm>
+          <a:off x="0" y="0"/>
+          <a:ext cx="0" cy="0"/>
+          <a:chOff x="0" y="0"/>
+          <a:chExt cx="0" cy="0"/>
+        </a:xfrm>
+      </p:grpSpPr>
+      <p:sp>
+        <p:nvSpPr>
+          <p:cNvPr id="2" name="Slide Number Placeholder 1">
+            <a:extLst>
+              <a:ext uri="{FF2B5EF4-FFF2-40B4-BE49-F238E27FC236}">
+                <a16:creationId xmlns:a16="http://schemas.microsoft.com/office/drawing/2014/main" id="{571A1F66-9238-3D55-4408-031E63658E25}"/>
+              </a:ext>
+            </a:extLst>
+          </p:cNvPr>
+          <p:cNvSpPr>
+            <a:spLocks noGrp="1"/>
+          </p:cNvSpPr>
+          <p:nvPr>
+            <p:ph type="sldNum" sz="quarter" idx="12"/>
+          </p:nvPr>
+        </p:nvSpPr>
+        <p:spPr/>
+        <p:txBody>
+          <a:bodyPr/>
+          <a:lstStyle/>
+          <a:p>
+            <a:fld id="{619A0612-47CE-46C5-A28E-F10D87CAACAD}" type="slidenum">
+              <a:rPr lang="en-US" noProof="0" smtClean="0"/>
+              <a:t>12</a:t>
+            </a:fld>
+            <a:endParaRPr lang="en-US" noProof="0" dirty="0"/>
+          </a:p>
+        </p:txBody>
+      </p:sp>
+      <p:sp>
+        <p:nvSpPr>
+          <p:cNvPr id="3" name="CasellaDiTesto 1">
+            <a:extLst>
+              <a:ext uri="{FF2B5EF4-FFF2-40B4-BE49-F238E27FC236}">
+                <a16:creationId xmlns:a16="http://schemas.microsoft.com/office/drawing/2014/main" id="{BDE3FDEF-25EA-3ABA-04E3-F4F85D016A3D}"/>
+              </a:ext>
+            </a:extLst>
+          </p:cNvPr>
+          <p:cNvSpPr txBox="1"/>
+          <p:nvPr/>
+        </p:nvSpPr>
+        <p:spPr>
+          <a:xfrm>
+            <a:off x="1555664" y="1048725"/>
+            <a:ext cx="7118861" cy="584775"/>
+          </a:xfrm>
+          <a:prstGeom prst="rect">
+            <a:avLst/>
+          </a:prstGeom>
+          <a:noFill/>
+        </p:spPr>
+        <p:txBody>
+          <a:bodyPr wrap="square" rtlCol="0">
+            <a:spAutoFit/>
+          </a:bodyPr>
+          <a:lstStyle/>
+          <a:p>
+            <a:r>
+              <a:rPr lang="en-US" sz="3200" b="1" noProof="0" dirty="0"/>
+              <a:t>Regarding my thesis</a:t>
+            </a:r>
+          </a:p>
+        </p:txBody>
+      </p:sp>
+      <p:sp>
+        <p:nvSpPr>
+          <p:cNvPr id="6" name="CasellaDiTesto 4">
+            <a:extLst>
+              <a:ext uri="{FF2B5EF4-FFF2-40B4-BE49-F238E27FC236}">
+                <a16:creationId xmlns:a16="http://schemas.microsoft.com/office/drawing/2014/main" id="{3439365B-B9B4-7621-9EB6-8A374F9A9749}"/>
+              </a:ext>
+            </a:extLst>
+          </p:cNvPr>
+          <p:cNvSpPr txBox="1"/>
+          <p:nvPr/>
+        </p:nvSpPr>
+        <p:spPr>
+          <a:xfrm>
+            <a:off x="1494918" y="1909739"/>
+            <a:ext cx="9202163" cy="4170372"/>
+          </a:xfrm>
+          <a:prstGeom prst="rect">
+            <a:avLst/>
+          </a:prstGeom>
+          <a:noFill/>
+        </p:spPr>
+        <p:txBody>
+          <a:bodyPr wrap="square" bIns="91440" rtlCol="0">
+            <a:spAutoFit/>
+          </a:bodyPr>
+          <a:lstStyle/>
+          <a:p>
+            <a:r>
+              <a:rPr lang="en-US" noProof="0" dirty="0"/>
+              <a:t>Main objective: 	Investigating how to get a model that converges fast to the </a:t>
+            </a:r>
+            <a:r>
+              <a:rPr lang="en-US" b="1" noProof="0" dirty="0"/>
+              <a:t>steady state 		</a:t>
+            </a:r>
+            <a:r>
+              <a:rPr lang="en-US" noProof="0" dirty="0"/>
+              <a:t>of a </a:t>
+            </a:r>
+            <a:r>
+              <a:rPr lang="en-US" b="1" noProof="0" dirty="0"/>
+              <a:t>2D morphodynamical problem</a:t>
+            </a:r>
+            <a:r>
+              <a:rPr lang="en-US" noProof="0" dirty="0"/>
+              <a:t>. We are interested in the </a:t>
+            </a:r>
+            <a:r>
+              <a:rPr lang="en-US" b="1" noProof="0" dirty="0"/>
+              <a:t>long-term</a:t>
+            </a:r>
+            <a:r>
+              <a:rPr lang="en-US" noProof="0" dirty="0"/>
+              <a:t> 		situation of a water body.</a:t>
+            </a:r>
+          </a:p>
+          <a:p>
+            <a:endParaRPr lang="en-US" noProof="0" dirty="0"/>
+          </a:p>
+          <a:p>
+            <a:endParaRPr lang="en-US" noProof="0" dirty="0"/>
+          </a:p>
+          <a:p>
+            <a:r>
+              <a:rPr lang="en-US" b="1" noProof="0" dirty="0"/>
+              <a:t>1D</a:t>
+            </a:r>
+            <a:r>
+              <a:rPr lang="en-US" noProof="0" dirty="0"/>
+              <a:t> case: the steady solution (for the water depth) is given by the solution of a simple </a:t>
+            </a:r>
+            <a:r>
+              <a:rPr lang="en-US" b="1" noProof="0" dirty="0"/>
+              <a:t>ODE</a:t>
+            </a:r>
+            <a:r>
+              <a:rPr lang="en-US" noProof="0" dirty="0"/>
+              <a:t>, 	so, making use of the hypothesis:</a:t>
+            </a:r>
+          </a:p>
+          <a:p>
+            <a:pPr>
+              <a:spcBef>
+                <a:spcPts val="600"/>
+              </a:spcBef>
+              <a:spcAft>
+                <a:spcPts val="600"/>
+              </a:spcAft>
+            </a:pPr>
+            <a:r>
+              <a:rPr lang="en-US" noProof="0" dirty="0"/>
+              <a:t>	</a:t>
+            </a:r>
+            <a:r>
+              <a:rPr lang="en-US" i="1" u="sng" noProof="0" dirty="0"/>
+              <a:t>Water adapts instantaneously to bed changes</a:t>
+            </a:r>
+          </a:p>
+          <a:p>
+            <a:r>
+              <a:rPr lang="en-US" i="1" noProof="0" dirty="0"/>
+              <a:t>	</a:t>
+            </a:r>
+            <a:r>
+              <a:rPr lang="en-US" noProof="0" dirty="0"/>
+              <a:t>we can </a:t>
+            </a:r>
+            <a:r>
               <a:rPr lang="en-US" dirty="0"/>
-              <a:t>The Peak memory access is </a:t>
-            </a:r>
-            <a:r>
-              <a:rPr lang="en-US" b="1" dirty="0"/>
-              <a:t>616</a:t>
-            </a:r>
-            <a:r>
-              <a:rPr lang="en-US" dirty="0"/>
-              <a:t> GB/s.</a:t>
-            </a:r>
+              <a:t>decouple</a:t>
+            </a:r>
+            <a:r>
+              <a:rPr lang="en-US" noProof="0" dirty="0"/>
+              <a:t> the problem in two:</a:t>
+            </a:r>
+          </a:p>
+          <a:p>
+            <a:pPr marL="1257300" lvl="2" indent="-342900">
+              <a:buFont typeface="Arial" panose="020B0604020202020204" pitchFamily="34" charset="0"/>
+              <a:buChar char="•"/>
+            </a:pPr>
+            <a:r>
+              <a:rPr lang="en-US" b="1" noProof="0" dirty="0"/>
+              <a:t>Morphological</a:t>
+            </a:r>
+            <a:r>
+              <a:rPr lang="en-US" noProof="0" dirty="0"/>
+              <a:t> part: using the Godunov method (or any other) we get the evolution in time of the bed (small eigenvalue, large dt);</a:t>
+            </a:r>
+          </a:p>
+          <a:p>
+            <a:pPr marL="1257300" lvl="2" indent="-342900">
+              <a:buFont typeface="Arial" panose="020B0604020202020204" pitchFamily="34" charset="0"/>
+              <a:buChar char="•"/>
+            </a:pPr>
+            <a:r>
+              <a:rPr lang="en-US" b="1" noProof="0" dirty="0"/>
+              <a:t>Hydrological</a:t>
+            </a:r>
+            <a:r>
+              <a:rPr lang="en-US" noProof="0" dirty="0"/>
+              <a:t> part: adapting the water layer to the new bed conformation we complete a very fast code.</a:t>
+            </a:r>
+          </a:p>
+          <a:p>
             <a:endParaRPr lang="en-US" noProof="0" dirty="0"/>
           </a:p>
         </p:txBody>
@@ -5813,7 +6053,194 @@
     </p:spTree>
     <p:extLst>
       <p:ext uri="{BB962C8B-B14F-4D97-AF65-F5344CB8AC3E}">
-        <p14:creationId xmlns:p14="http://schemas.microsoft.com/office/powerpoint/2010/main" val="4144801689"/>
+        <p14:creationId xmlns:p14="http://schemas.microsoft.com/office/powerpoint/2010/main" val="1015335839"/>
+      </p:ext>
+    </p:extLst>
+  </p:cSld>
+  <p:clrMapOvr>
+    <a:masterClrMapping/>
+  </p:clrMapOvr>
+</p:sld>
+</file>
+
+<file path=ppt/slides/slide13.xml><?xml version="1.0" encoding="utf-8"?>
+<p:sld xmlns:a="http://schemas.openxmlformats.org/drawingml/2006/main" xmlns:r="http://schemas.openxmlformats.org/officeDocument/2006/relationships" xmlns:p="http://schemas.openxmlformats.org/presentationml/2006/main">
+  <p:cSld>
+    <p:spTree>
+      <p:nvGrpSpPr>
+        <p:cNvPr id="1" name="">
+          <a:extLst>
+            <a:ext uri="{FF2B5EF4-FFF2-40B4-BE49-F238E27FC236}">
+              <a16:creationId xmlns:a16="http://schemas.microsoft.com/office/drawing/2014/main" id="{A0A4D40C-F893-60D2-86A1-B1276D49D719}"/>
+            </a:ext>
+          </a:extLst>
+        </p:cNvPr>
+        <p:cNvGrpSpPr/>
+        <p:nvPr/>
+      </p:nvGrpSpPr>
+      <p:grpSpPr>
+        <a:xfrm>
+          <a:off x="0" y="0"/>
+          <a:ext cx="0" cy="0"/>
+          <a:chOff x="0" y="0"/>
+          <a:chExt cx="0" cy="0"/>
+        </a:xfrm>
+      </p:grpSpPr>
+      <p:sp>
+        <p:nvSpPr>
+          <p:cNvPr id="2" name="Slide Number Placeholder 1">
+            <a:extLst>
+              <a:ext uri="{FF2B5EF4-FFF2-40B4-BE49-F238E27FC236}">
+                <a16:creationId xmlns:a16="http://schemas.microsoft.com/office/drawing/2014/main" id="{7AC5C2E4-68F7-CC97-9F64-C0904489BF17}"/>
+              </a:ext>
+            </a:extLst>
+          </p:cNvPr>
+          <p:cNvSpPr>
+            <a:spLocks noGrp="1"/>
+          </p:cNvSpPr>
+          <p:nvPr>
+            <p:ph type="sldNum" sz="quarter" idx="12"/>
+          </p:nvPr>
+        </p:nvSpPr>
+        <p:spPr/>
+        <p:txBody>
+          <a:bodyPr/>
+          <a:lstStyle/>
+          <a:p>
+            <a:fld id="{619A0612-47CE-46C5-A28E-F10D87CAACAD}" type="slidenum">
+              <a:rPr lang="en-US" noProof="0" smtClean="0"/>
+              <a:t>13</a:t>
+            </a:fld>
+            <a:endParaRPr lang="en-US" noProof="0" dirty="0"/>
+          </a:p>
+        </p:txBody>
+      </p:sp>
+      <p:sp>
+        <p:nvSpPr>
+          <p:cNvPr id="3" name="CasellaDiTesto 1">
+            <a:extLst>
+              <a:ext uri="{FF2B5EF4-FFF2-40B4-BE49-F238E27FC236}">
+                <a16:creationId xmlns:a16="http://schemas.microsoft.com/office/drawing/2014/main" id="{289D2D59-132B-6F0C-3321-381C4D7E59AF}"/>
+              </a:ext>
+            </a:extLst>
+          </p:cNvPr>
+          <p:cNvSpPr txBox="1"/>
+          <p:nvPr/>
+        </p:nvSpPr>
+        <p:spPr>
+          <a:xfrm>
+            <a:off x="1555664" y="1048725"/>
+            <a:ext cx="7118861" cy="584775"/>
+          </a:xfrm>
+          <a:prstGeom prst="rect">
+            <a:avLst/>
+          </a:prstGeom>
+          <a:noFill/>
+        </p:spPr>
+        <p:txBody>
+          <a:bodyPr wrap="square" rtlCol="0">
+            <a:spAutoFit/>
+          </a:bodyPr>
+          <a:lstStyle/>
+          <a:p>
+            <a:r>
+              <a:rPr lang="en-US" sz="3200" b="1" noProof="0" dirty="0"/>
+              <a:t>1D case </a:t>
+            </a:r>
+          </a:p>
+        </p:txBody>
+      </p:sp>
+      <p:sp>
+        <p:nvSpPr>
+          <p:cNvPr id="6" name="CasellaDiTesto 4">
+            <a:extLst>
+              <a:ext uri="{FF2B5EF4-FFF2-40B4-BE49-F238E27FC236}">
+                <a16:creationId xmlns:a16="http://schemas.microsoft.com/office/drawing/2014/main" id="{242DE37A-001F-2F86-EB6A-5BDABE85F0A5}"/>
+              </a:ext>
+            </a:extLst>
+          </p:cNvPr>
+          <p:cNvSpPr txBox="1"/>
+          <p:nvPr/>
+        </p:nvSpPr>
+        <p:spPr>
+          <a:xfrm>
+            <a:off x="1494918" y="2096551"/>
+            <a:ext cx="9202163" cy="3154710"/>
+          </a:xfrm>
+          <a:prstGeom prst="rect">
+            <a:avLst/>
+          </a:prstGeom>
+          <a:noFill/>
+        </p:spPr>
+        <p:txBody>
+          <a:bodyPr wrap="square" bIns="91440" rtlCol="0">
+            <a:spAutoFit/>
+          </a:bodyPr>
+          <a:lstStyle/>
+          <a:p>
+            <a:r>
+              <a:rPr lang="en-US" noProof="0" dirty="0"/>
+              <a:t>The 1D case does not require any new development, but it is easier to work with; Thus, we have a 1D DOT scheme as reference, and an idea that I am testing:</a:t>
+            </a:r>
+          </a:p>
+          <a:p>
+            <a:endParaRPr lang="en-US" dirty="0"/>
+          </a:p>
+          <a:p>
+            <a:pPr>
+              <a:spcAft>
+                <a:spcPts val="600"/>
+              </a:spcAft>
+            </a:pPr>
+            <a:r>
+              <a:rPr lang="en-US" sz="2400" b="1" noProof="0" dirty="0"/>
+              <a:t>Pseudo-transient solution </a:t>
+            </a:r>
+          </a:p>
+          <a:p>
+            <a:pPr>
+              <a:spcAft>
+                <a:spcPts val="600"/>
+              </a:spcAft>
+            </a:pPr>
+            <a:r>
+              <a:rPr lang="en-US" dirty="0"/>
+              <a:t>The idea is based on the method explained in </a:t>
+            </a:r>
+            <a:r>
+              <a:rPr lang="en-US" dirty="0" err="1"/>
+              <a:t>Räss</a:t>
+            </a:r>
+            <a:r>
+              <a:rPr lang="en-US" dirty="0"/>
+              <a:t> et al. 2022 (</a:t>
+            </a:r>
+            <a:r>
+              <a:rPr lang="en-US" dirty="0">
+                <a:hlinkClick r:id="rId2"/>
+              </a:rPr>
+              <a:t>GMD - Assessing the robustness and scalability of the accelerated pseudo-transient method</a:t>
+            </a:r>
+            <a:r>
+              <a:rPr lang="en-US" dirty="0"/>
+              <a:t>).</a:t>
+            </a:r>
+          </a:p>
+          <a:p>
+            <a:r>
+              <a:rPr lang="en-US" dirty="0"/>
+              <a:t>Keeping the previous hypothesis, we are trying to get the steady state integrating in the so-called pseudo-time, that should allow to accelerate the process since we are not interested in what happened while iterating but just in the final configuration. </a:t>
+            </a:r>
+          </a:p>
+          <a:p>
+            <a:endParaRPr lang="en-US" noProof="0" dirty="0"/>
+          </a:p>
+        </p:txBody>
+      </p:sp>
+    </p:spTree>
+    <p:extLst>
+      <p:ext uri="{BB962C8B-B14F-4D97-AF65-F5344CB8AC3E}">
+        <p14:creationId xmlns:p14="http://schemas.microsoft.com/office/powerpoint/2010/main" val="1700615310"/>
       </p:ext>
     </p:extLst>
   </p:cSld>
@@ -5877,7 +6304,7 @@
       </p:sp>
       <p:pic>
         <p:nvPicPr>
-          <p:cNvPr id="4" name="Immagine 3" descr="Immagine che contiene Elementi grafici, Carattere, logo, grafica&#10;&#10;Il contenuto generato dall'IA potrebbe non essere corretto.">
+          <p:cNvPr id="4" name="Immagine 3">
             <a:extLst>
               <a:ext uri="{FF2B5EF4-FFF2-40B4-BE49-F238E27FC236}">
                 <a16:creationId xmlns:a16="http://schemas.microsoft.com/office/drawing/2014/main" id="{9C1E28FB-9781-C263-1EF4-FCDB616F6196}"/>
@@ -5892,19 +6319,18 @@
         <p:blipFill>
           <a:blip r:embed="rId2">
             <a:extLst>
-              <a:ext uri="{28A0092B-C50C-407E-A947-70E740481C1C}">
-                <a14:useLocalDpi xmlns:a14="http://schemas.microsoft.com/office/drawing/2010/main" val="0"/>
+              <a:ext uri="{96DAC541-7B7A-43D3-8B79-37D633B846F1}">
+                <asvg:svgBlip xmlns:asvg="http://schemas.microsoft.com/office/drawing/2016/SVG/main" r:embed="rId3"/>
               </a:ext>
             </a:extLst>
           </a:blip>
-          <a:stretch>
-            <a:fillRect/>
-          </a:stretch>
+          <a:srcRect/>
+          <a:stretch/>
         </p:blipFill>
         <p:spPr>
           <a:xfrm>
-            <a:off x="11079217" y="139052"/>
-            <a:ext cx="909652" cy="584776"/>
+            <a:off x="10636334" y="-12984"/>
+            <a:ext cx="1198880" cy="1198880"/>
           </a:xfrm>
           <a:prstGeom prst="rect">
             <a:avLst/>
@@ -5998,7 +6424,7 @@
             </a:r>
             <a:r>
               <a:rPr lang="en-US" sz="1200" noProof="0" dirty="0">
-                <a:hlinkClick r:id="rId3"/>
+                <a:hlinkClick r:id="rId4"/>
               </a:rPr>
               <a:t>https://docs.julialang.org/en/v1/</a:t>
             </a:r>
@@ -6071,42 +6497,6 @@
           <a:chExt cx="0" cy="0"/>
         </a:xfrm>
       </p:grpSpPr>
-      <p:pic>
-        <p:nvPicPr>
-          <p:cNvPr id="4" name="Immagine 3" descr="Immagine che contiene Elementi grafici, Carattere, logo, grafica&#10;&#10;Il contenuto generato dall'IA potrebbe non essere corretto.">
-            <a:extLst>
-              <a:ext uri="{FF2B5EF4-FFF2-40B4-BE49-F238E27FC236}">
-                <a16:creationId xmlns:a16="http://schemas.microsoft.com/office/drawing/2014/main" id="{6F63EA14-E252-3071-0037-721B1F92F520}"/>
-              </a:ext>
-            </a:extLst>
-          </p:cNvPr>
-          <p:cNvPicPr>
-            <a:picLocks noChangeAspect="1"/>
-          </p:cNvPicPr>
-          <p:nvPr/>
-        </p:nvPicPr>
-        <p:blipFill>
-          <a:blip r:embed="rId2">
-            <a:extLst>
-              <a:ext uri="{28A0092B-C50C-407E-A947-70E740481C1C}">
-                <a14:useLocalDpi xmlns:a14="http://schemas.microsoft.com/office/drawing/2010/main" val="0"/>
-              </a:ext>
-            </a:extLst>
-          </a:blip>
-          <a:stretch>
-            <a:fillRect/>
-          </a:stretch>
-        </p:blipFill>
-        <p:spPr>
-          <a:xfrm>
-            <a:off x="11079217" y="139052"/>
-            <a:ext cx="909652" cy="584776"/>
-          </a:xfrm>
-          <a:prstGeom prst="rect">
-            <a:avLst/>
-          </a:prstGeom>
-        </p:spPr>
-      </p:pic>
       <p:sp>
         <p:nvSpPr>
           <p:cNvPr id="5" name="CasellaDiTesto 4">
@@ -6151,7 +6541,7 @@
             </a:pPr>
             <a:r>
               <a:rPr lang="en-US" noProof="0" dirty="0"/>
-              <a:t>Optional typing: specification is not mandatory;</a:t>
+              <a:t>A rich language of types for constructing and describing objects;</a:t>
             </a:r>
           </a:p>
           <a:p>
@@ -6161,7 +6551,7 @@
             </a:pPr>
             <a:r>
               <a:rPr lang="en-US" noProof="0" dirty="0"/>
-              <a:t>A rich language of types for constructing and describing objects;</a:t>
+              <a:t>Multiple dispatch: the possibility to define different function behaviors across the combination of the argument types;</a:t>
             </a:r>
           </a:p>
           <a:p>
@@ -6171,7 +6561,7 @@
             </a:pPr>
             <a:r>
               <a:rPr lang="en-US" noProof="0" dirty="0"/>
-              <a:t>Multiple dispatch: the possibility to define different function behaviors across the combination of the argument types;</a:t>
+              <a:t>Automatic generation of efficient and specialized code for different argument types;</a:t>
             </a:r>
           </a:p>
           <a:p>
@@ -6181,7 +6571,7 @@
             </a:pPr>
             <a:r>
               <a:rPr lang="en-US" noProof="0" dirty="0"/>
-              <a:t>Automatic generation of efficient, specialized code for different argument types;</a:t>
+              <a:t>The REPL mode, that introduce a lot of interactive features;</a:t>
             </a:r>
           </a:p>
           <a:p>
@@ -6294,7 +6684,7 @@
             </a:r>
             <a:r>
               <a:rPr lang="en-US" sz="1200" noProof="0" dirty="0">
-                <a:hlinkClick r:id="rId3"/>
+                <a:hlinkClick r:id="rId2"/>
               </a:rPr>
               <a:t>https://docs.julialang.org/en/v1/</a:t>
             </a:r>
@@ -6302,6 +6692,41 @@
           </a:p>
         </p:txBody>
       </p:sp>
+      <p:pic>
+        <p:nvPicPr>
+          <p:cNvPr id="2" name="Immagine 3">
+            <a:extLst>
+              <a:ext uri="{FF2B5EF4-FFF2-40B4-BE49-F238E27FC236}">
+                <a16:creationId xmlns:a16="http://schemas.microsoft.com/office/drawing/2014/main" id="{E242C9D0-499A-4644-19F4-7B7F6698098B}"/>
+              </a:ext>
+            </a:extLst>
+          </p:cNvPr>
+          <p:cNvPicPr>
+            <a:picLocks noChangeAspect="1"/>
+          </p:cNvPicPr>
+          <p:nvPr/>
+        </p:nvPicPr>
+        <p:blipFill>
+          <a:blip r:embed="rId3">
+            <a:extLst>
+              <a:ext uri="{96DAC541-7B7A-43D3-8B79-37D633B846F1}">
+                <asvg:svgBlip xmlns:asvg="http://schemas.microsoft.com/office/drawing/2016/SVG/main" r:embed="rId4"/>
+              </a:ext>
+            </a:extLst>
+          </a:blip>
+          <a:srcRect/>
+          <a:stretch/>
+        </p:blipFill>
+        <p:spPr>
+          <a:xfrm>
+            <a:off x="10636334" y="-12984"/>
+            <a:ext cx="1198880" cy="1198880"/>
+          </a:xfrm>
+          <a:prstGeom prst="rect">
+            <a:avLst/>
+          </a:prstGeom>
+        </p:spPr>
+      </p:pic>
     </p:spTree>
     <p:extLst>
       <p:ext uri="{BB962C8B-B14F-4D97-AF65-F5344CB8AC3E}">
@@ -6338,42 +6763,6 @@
           <a:chExt cx="0" cy="0"/>
         </a:xfrm>
       </p:grpSpPr>
-      <p:pic>
-        <p:nvPicPr>
-          <p:cNvPr id="4" name="Immagine 3" descr="Immagine che contiene Elementi grafici, Carattere, logo, grafica&#10;&#10;Il contenuto generato dall'IA potrebbe non essere corretto.">
-            <a:extLst>
-              <a:ext uri="{FF2B5EF4-FFF2-40B4-BE49-F238E27FC236}">
-                <a16:creationId xmlns:a16="http://schemas.microsoft.com/office/drawing/2014/main" id="{BE56743A-8161-BF74-FCA2-CC67F105F08A}"/>
-              </a:ext>
-            </a:extLst>
-          </p:cNvPr>
-          <p:cNvPicPr>
-            <a:picLocks noChangeAspect="1"/>
-          </p:cNvPicPr>
-          <p:nvPr/>
-        </p:nvPicPr>
-        <p:blipFill>
-          <a:blip r:embed="rId2">
-            <a:extLst>
-              <a:ext uri="{28A0092B-C50C-407E-A947-70E740481C1C}">
-                <a14:useLocalDpi xmlns:a14="http://schemas.microsoft.com/office/drawing/2010/main" val="0"/>
-              </a:ext>
-            </a:extLst>
-          </a:blip>
-          <a:stretch>
-            <a:fillRect/>
-          </a:stretch>
-        </p:blipFill>
-        <p:spPr>
-          <a:xfrm>
-            <a:off x="11079217" y="139052"/>
-            <a:ext cx="909652" cy="584776"/>
-          </a:xfrm>
-          <a:prstGeom prst="rect">
-            <a:avLst/>
-          </a:prstGeom>
-        </p:spPr>
-      </p:pic>
       <p:sp>
         <p:nvSpPr>
           <p:cNvPr id="5" name="CasellaDiTesto 4">
@@ -6389,7 +6778,7 @@
         <p:spPr>
           <a:xfrm>
             <a:off x="1559622" y="2505670"/>
-            <a:ext cx="9064043" cy="2862322"/>
+            <a:ext cx="9064043" cy="2308324"/>
           </a:xfrm>
           <a:prstGeom prst="rect">
             <a:avLst/>
@@ -6449,16 +6838,6 @@
             <a:r>
               <a:rPr lang="en-US" noProof="0" dirty="0"/>
               <a:t>Designed for parallelism and distributed computation;</a:t>
-            </a:r>
-          </a:p>
-          <a:p>
-            <a:pPr marL="285750" indent="-285750">
-              <a:buFont typeface="Arial" panose="020B0604020202020204" pitchFamily="34" charset="0"/>
-              <a:buChar char="•"/>
-            </a:pPr>
-            <a:r>
-              <a:rPr lang="en-US" noProof="0" dirty="0"/>
-              <a:t>Powerful debugging tools (no code slowing down) together with the interactive REPL mode;</a:t>
             </a:r>
           </a:p>
           <a:p>
@@ -6591,7 +6970,7 @@
             </a:r>
             <a:r>
               <a:rPr lang="en-US" sz="1200" noProof="0" dirty="0">
-                <a:hlinkClick r:id="rId3"/>
+                <a:hlinkClick r:id="rId2"/>
               </a:rPr>
               <a:t>https://docs.julialang.org/en/v1/</a:t>
             </a:r>
@@ -6599,6 +6978,41 @@
           </a:p>
         </p:txBody>
       </p:sp>
+      <p:pic>
+        <p:nvPicPr>
+          <p:cNvPr id="2" name="Immagine 3">
+            <a:extLst>
+              <a:ext uri="{FF2B5EF4-FFF2-40B4-BE49-F238E27FC236}">
+                <a16:creationId xmlns:a16="http://schemas.microsoft.com/office/drawing/2014/main" id="{2127356E-0C1A-5F7A-FFEB-BE1BB97447FB}"/>
+              </a:ext>
+            </a:extLst>
+          </p:cNvPr>
+          <p:cNvPicPr>
+            <a:picLocks noChangeAspect="1"/>
+          </p:cNvPicPr>
+          <p:nvPr/>
+        </p:nvPicPr>
+        <p:blipFill>
+          <a:blip r:embed="rId3">
+            <a:extLst>
+              <a:ext uri="{96DAC541-7B7A-43D3-8B79-37D633B846F1}">
+                <asvg:svgBlip xmlns:asvg="http://schemas.microsoft.com/office/drawing/2016/SVG/main" r:embed="rId4"/>
+              </a:ext>
+            </a:extLst>
+          </a:blip>
+          <a:srcRect/>
+          <a:stretch/>
+        </p:blipFill>
+        <p:spPr>
+          <a:xfrm>
+            <a:off x="10636334" y="-12984"/>
+            <a:ext cx="1198880" cy="1198880"/>
+          </a:xfrm>
+          <a:prstGeom prst="rect">
+            <a:avLst/>
+          </a:prstGeom>
+        </p:spPr>
+      </p:pic>
     </p:spTree>
     <p:extLst>
       <p:ext uri="{BB962C8B-B14F-4D97-AF65-F5344CB8AC3E}">
@@ -6635,42 +7049,6 @@
           <a:chExt cx="0" cy="0"/>
         </a:xfrm>
       </p:grpSpPr>
-      <p:pic>
-        <p:nvPicPr>
-          <p:cNvPr id="4" name="Immagine 3" descr="Immagine che contiene Elementi grafici, Carattere, logo, grafica&#10;&#10;Il contenuto generato dall'IA potrebbe non essere corretto.">
-            <a:extLst>
-              <a:ext uri="{FF2B5EF4-FFF2-40B4-BE49-F238E27FC236}">
-                <a16:creationId xmlns:a16="http://schemas.microsoft.com/office/drawing/2014/main" id="{6B6FA37E-E414-E87B-029C-2DBD0A56EB45}"/>
-              </a:ext>
-            </a:extLst>
-          </p:cNvPr>
-          <p:cNvPicPr>
-            <a:picLocks noChangeAspect="1"/>
-          </p:cNvPicPr>
-          <p:nvPr/>
-        </p:nvPicPr>
-        <p:blipFill>
-          <a:blip r:embed="rId2">
-            <a:extLst>
-              <a:ext uri="{28A0092B-C50C-407E-A947-70E740481C1C}">
-                <a14:useLocalDpi xmlns:a14="http://schemas.microsoft.com/office/drawing/2010/main" val="0"/>
-              </a:ext>
-            </a:extLst>
-          </a:blip>
-          <a:stretch>
-            <a:fillRect/>
-          </a:stretch>
-        </p:blipFill>
-        <p:spPr>
-          <a:xfrm>
-            <a:off x="11079217" y="139052"/>
-            <a:ext cx="909652" cy="584776"/>
-          </a:xfrm>
-          <a:prstGeom prst="rect">
-            <a:avLst/>
-          </a:prstGeom>
-        </p:spPr>
-      </p:pic>
       <p:sp>
         <p:nvSpPr>
           <p:cNvPr id="7" name="CasellaDiTesto 6">
@@ -6709,7 +7087,15 @@
             </a:r>
             <a:r>
               <a:rPr lang="en-US" noProof="0" dirty="0"/>
-              <a:t>-Osher-Toro (DOT) method to the 2D SWE (fixed bed, no friction), the test case is circular dam-break in the middle of the domain, the initial velocity is zero and the initial step is 1.5 meters.</a:t>
+              <a:t>-Osher-Toro (DOT) method to the 2D SWE (fixed bed, no friction), the test case is a circular dam-break in the </a:t>
+            </a:r>
+            <a:r>
+              <a:rPr lang="en-US" noProof="0" dirty="0" err="1"/>
+              <a:t>centre</a:t>
+            </a:r>
+            <a:r>
+              <a:rPr lang="en-US" noProof="0" dirty="0"/>
+              <a:t> of the domain, the initial velocity is zero and the initial step is 1.5 meters.</a:t>
             </a:r>
           </a:p>
           <a:p>
@@ -6718,7 +7104,7 @@
           <a:p>
             <a:r>
               <a:rPr lang="en-US" noProof="0" dirty="0"/>
-              <a:t>We have 4 codes, the first running in MATLAB, the second one running in series on CPU, and we developed two version of the same running on the NVIDIA GeForce RTX 2080 Ti GPU. The difference between the two makes one much faster than the other. </a:t>
+              <a:t>We have 4 codes, the first running in MATLAB, the second one running in series on CPU, and two version of the same code running on the NVIDIA GeForce RTX 2080 Ti GPU. The difference between the two makes one much faster than the other. </a:t>
             </a:r>
           </a:p>
         </p:txBody>
@@ -6787,6 +7173,41 @@
           </a:p>
         </p:txBody>
       </p:sp>
+      <p:pic>
+        <p:nvPicPr>
+          <p:cNvPr id="5" name="Immagine 3">
+            <a:extLst>
+              <a:ext uri="{FF2B5EF4-FFF2-40B4-BE49-F238E27FC236}">
+                <a16:creationId xmlns:a16="http://schemas.microsoft.com/office/drawing/2014/main" id="{E50CCAC0-7F5D-3BD2-AF3C-76A7BE2E332B}"/>
+              </a:ext>
+            </a:extLst>
+          </p:cNvPr>
+          <p:cNvPicPr>
+            <a:picLocks noChangeAspect="1"/>
+          </p:cNvPicPr>
+          <p:nvPr/>
+        </p:nvPicPr>
+        <p:blipFill>
+          <a:blip r:embed="rId2">
+            <a:extLst>
+              <a:ext uri="{96DAC541-7B7A-43D3-8B79-37D633B846F1}">
+                <asvg:svgBlip xmlns:asvg="http://schemas.microsoft.com/office/drawing/2016/SVG/main" r:embed="rId3"/>
+              </a:ext>
+            </a:extLst>
+          </a:blip>
+          <a:srcRect/>
+          <a:stretch/>
+        </p:blipFill>
+        <p:spPr>
+          <a:xfrm>
+            <a:off x="10636334" y="-12984"/>
+            <a:ext cx="1198880" cy="1198880"/>
+          </a:xfrm>
+          <a:prstGeom prst="rect">
+            <a:avLst/>
+          </a:prstGeom>
+        </p:spPr>
+      </p:pic>
     </p:spTree>
     <p:extLst>
       <p:ext uri="{BB962C8B-B14F-4D97-AF65-F5344CB8AC3E}">
@@ -6823,44 +7244,8 @@
           <a:chExt cx="0" cy="0"/>
         </a:xfrm>
       </p:grpSpPr>
-      <p:pic>
-        <p:nvPicPr>
-          <p:cNvPr id="4" name="Immagine 3" descr="Immagine che contiene Elementi grafici, Carattere, logo, grafica&#10;&#10;Il contenuto generato dall'IA potrebbe non essere corretto.">
-            <a:extLst>
-              <a:ext uri="{FF2B5EF4-FFF2-40B4-BE49-F238E27FC236}">
-                <a16:creationId xmlns:a16="http://schemas.microsoft.com/office/drawing/2014/main" id="{C4D17391-FA84-CB8A-F81C-A55C96A68CD0}"/>
-              </a:ext>
-            </a:extLst>
-          </p:cNvPr>
-          <p:cNvPicPr>
-            <a:picLocks noChangeAspect="1"/>
-          </p:cNvPicPr>
-          <p:nvPr/>
-        </p:nvPicPr>
-        <p:blipFill>
-          <a:blip r:embed="rId2">
-            <a:extLst>
-              <a:ext uri="{28A0092B-C50C-407E-A947-70E740481C1C}">
-                <a14:useLocalDpi xmlns:a14="http://schemas.microsoft.com/office/drawing/2010/main" val="0"/>
-              </a:ext>
-            </a:extLst>
-          </a:blip>
-          <a:stretch>
-            <a:fillRect/>
-          </a:stretch>
-        </p:blipFill>
-        <p:spPr>
-          <a:xfrm>
-            <a:off x="11079217" y="139052"/>
-            <a:ext cx="909652" cy="584776"/>
-          </a:xfrm>
-          <a:prstGeom prst="rect">
-            <a:avLst/>
-          </a:prstGeom>
-        </p:spPr>
-      </p:pic>
-      <mc:AlternateContent xmlns:mc="http://schemas.openxmlformats.org/markup-compatibility/2006">
-        <mc:Choice xmlns:a14="http://schemas.microsoft.com/office/drawing/2010/main" Requires="a14">
+      <mc:AlternateContent xmlns:mc="http://schemas.openxmlformats.org/markup-compatibility/2006" xmlns:a14="http://schemas.microsoft.com/office/drawing/2010/main">
+        <mc:Choice Requires="a14">
           <p:sp>
             <p:nvSpPr>
               <p:cNvPr id="2" name="CasellaDiTesto 1">
@@ -7682,7 +8067,7 @@
             </p:txBody>
           </p:sp>
         </mc:Choice>
-        <mc:Fallback>
+        <mc:Fallback xmlns="">
           <p:sp>
             <p:nvSpPr>
               <p:cNvPr id="2" name="CasellaDiTesto 1">
@@ -7706,7 +8091,7 @@
                 <a:avLst/>
               </a:prstGeom>
               <a:blipFill>
-                <a:blip r:embed="rId3"/>
+                <a:blip r:embed="rId2"/>
                 <a:stretch>
                   <a:fillRect/>
                 </a:stretch>
@@ -7727,8 +8112,8 @@
           </p:sp>
         </mc:Fallback>
       </mc:AlternateContent>
-      <mc:AlternateContent xmlns:mc="http://schemas.openxmlformats.org/markup-compatibility/2006">
-        <mc:Choice xmlns:a14="http://schemas.microsoft.com/office/drawing/2010/main" Requires="a14">
+      <mc:AlternateContent xmlns:mc="http://schemas.openxmlformats.org/markup-compatibility/2006" xmlns:a14="http://schemas.microsoft.com/office/drawing/2010/main">
+        <mc:Choice Requires="a14">
           <p:sp>
             <p:nvSpPr>
               <p:cNvPr id="3" name="CasellaDiTesto 2">
@@ -8786,7 +9171,7 @@
             </p:txBody>
           </p:sp>
         </mc:Choice>
-        <mc:Fallback>
+        <mc:Fallback xmlns="">
           <p:sp>
             <p:nvSpPr>
               <p:cNvPr id="3" name="CasellaDiTesto 2">
@@ -8810,7 +9195,7 @@
                 <a:avLst/>
               </a:prstGeom>
               <a:blipFill>
-                <a:blip r:embed="rId4"/>
+                <a:blip r:embed="rId3"/>
                 <a:stretch>
                   <a:fillRect b="-1031"/>
                 </a:stretch>
@@ -8895,6 +9280,41 @@
           </a:p>
         </p:txBody>
       </p:sp>
+      <p:pic>
+        <p:nvPicPr>
+          <p:cNvPr id="5" name="Immagine 3">
+            <a:extLst>
+              <a:ext uri="{FF2B5EF4-FFF2-40B4-BE49-F238E27FC236}">
+                <a16:creationId xmlns:a16="http://schemas.microsoft.com/office/drawing/2014/main" id="{FCB1865F-C718-4238-A29D-98DDFFBBFB0D}"/>
+              </a:ext>
+            </a:extLst>
+          </p:cNvPr>
+          <p:cNvPicPr>
+            <a:picLocks noChangeAspect="1"/>
+          </p:cNvPicPr>
+          <p:nvPr/>
+        </p:nvPicPr>
+        <p:blipFill>
+          <a:blip r:embed="rId4">
+            <a:extLst>
+              <a:ext uri="{96DAC541-7B7A-43D3-8B79-37D633B846F1}">
+                <asvg:svgBlip xmlns:asvg="http://schemas.microsoft.com/office/drawing/2016/SVG/main" r:embed="rId5"/>
+              </a:ext>
+            </a:extLst>
+          </a:blip>
+          <a:srcRect/>
+          <a:stretch/>
+        </p:blipFill>
+        <p:spPr>
+          <a:xfrm>
+            <a:off x="10636334" y="-12984"/>
+            <a:ext cx="1198880" cy="1198880"/>
+          </a:xfrm>
+          <a:prstGeom prst="rect">
+            <a:avLst/>
+          </a:prstGeom>
+        </p:spPr>
+      </p:pic>
     </p:spTree>
     <p:extLst>
       <p:ext uri="{BB962C8B-B14F-4D97-AF65-F5344CB8AC3E}">
@@ -8960,42 +9380,6 @@
           </a:p>
         </p:txBody>
       </p:sp>
-      <p:pic>
-        <p:nvPicPr>
-          <p:cNvPr id="3" name="Immagine 2" descr="Immagine che contiene Elementi grafici, Carattere, logo, grafica&#10;&#10;Il contenuto generato dall'IA potrebbe non essere corretto.">
-            <a:extLst>
-              <a:ext uri="{FF2B5EF4-FFF2-40B4-BE49-F238E27FC236}">
-                <a16:creationId xmlns:a16="http://schemas.microsoft.com/office/drawing/2014/main" id="{2DA9E9F2-C48B-8216-BB93-F41355FB649C}"/>
-              </a:ext>
-            </a:extLst>
-          </p:cNvPr>
-          <p:cNvPicPr>
-            <a:picLocks noChangeAspect="1"/>
-          </p:cNvPicPr>
-          <p:nvPr/>
-        </p:nvPicPr>
-        <p:blipFill>
-          <a:blip r:embed="rId2">
-            <a:extLst>
-              <a:ext uri="{28A0092B-C50C-407E-A947-70E740481C1C}">
-                <a14:useLocalDpi xmlns:a14="http://schemas.microsoft.com/office/drawing/2010/main" val="0"/>
-              </a:ext>
-            </a:extLst>
-          </a:blip>
-          <a:stretch>
-            <a:fillRect/>
-          </a:stretch>
-        </p:blipFill>
-        <p:spPr>
-          <a:xfrm>
-            <a:off x="11079217" y="139052"/>
-            <a:ext cx="909652" cy="584776"/>
-          </a:xfrm>
-          <a:prstGeom prst="rect">
-            <a:avLst/>
-          </a:prstGeom>
-        </p:spPr>
-      </p:pic>
       <p:sp>
         <p:nvSpPr>
           <p:cNvPr id="4" name="Segnaposto numero diapositiva 3">
@@ -9084,18 +9468,17 @@
               <a:buChar char="•"/>
             </a:pPr>
             <a:r>
-              <a:rPr lang="en-US" dirty="0"/>
+              <a:rPr lang="en-US" noProof="0" dirty="0"/>
               <a:t>It requires the knowledge of the </a:t>
             </a:r>
             <a:r>
-              <a:rPr lang="en-US" dirty="0" err="1"/>
+              <a:rPr lang="en-US" noProof="0" dirty="0" err="1"/>
               <a:t>eigenstructure</a:t>
             </a:r>
             <a:r>
-              <a:rPr lang="en-US" dirty="0"/>
+              <a:rPr lang="en-US" noProof="0" dirty="0"/>
               <a:t> of the equations</a:t>
             </a:r>
-            <a:endParaRPr lang="en-US" noProof="0" dirty="0"/>
           </a:p>
           <a:p>
             <a:pPr marL="285750" indent="-285750">
@@ -9132,6 +9515,41 @@
           </a:p>
         </p:txBody>
       </p:sp>
+      <p:pic>
+        <p:nvPicPr>
+          <p:cNvPr id="6" name="Immagine 3">
+            <a:extLst>
+              <a:ext uri="{FF2B5EF4-FFF2-40B4-BE49-F238E27FC236}">
+                <a16:creationId xmlns:a16="http://schemas.microsoft.com/office/drawing/2014/main" id="{79998031-FA24-6801-54C8-D09D90D6E59C}"/>
+              </a:ext>
+            </a:extLst>
+          </p:cNvPr>
+          <p:cNvPicPr>
+            <a:picLocks noChangeAspect="1"/>
+          </p:cNvPicPr>
+          <p:nvPr/>
+        </p:nvPicPr>
+        <p:blipFill>
+          <a:blip r:embed="rId2">
+            <a:extLst>
+              <a:ext uri="{96DAC541-7B7A-43D3-8B79-37D633B846F1}">
+                <asvg:svgBlip xmlns:asvg="http://schemas.microsoft.com/office/drawing/2016/SVG/main" r:embed="rId3"/>
+              </a:ext>
+            </a:extLst>
+          </a:blip>
+          <a:srcRect/>
+          <a:stretch/>
+        </p:blipFill>
+        <p:spPr>
+          <a:xfrm>
+            <a:off x="10636334" y="-12984"/>
+            <a:ext cx="1198880" cy="1198880"/>
+          </a:xfrm>
+          <a:prstGeom prst="rect">
+            <a:avLst/>
+          </a:prstGeom>
+        </p:spPr>
+      </p:pic>
     </p:spTree>
     <p:extLst>
       <p:ext uri="{BB962C8B-B14F-4D97-AF65-F5344CB8AC3E}">
@@ -9203,42 +9621,6 @@
           </a:p>
         </p:txBody>
       </p:sp>
-      <p:pic>
-        <p:nvPicPr>
-          <p:cNvPr id="3" name="Immagine 2" descr="Immagine che contiene Elementi grafici, Carattere, logo, grafica&#10;&#10;Il contenuto generato dall'IA potrebbe non essere corretto.">
-            <a:extLst>
-              <a:ext uri="{FF2B5EF4-FFF2-40B4-BE49-F238E27FC236}">
-                <a16:creationId xmlns:a16="http://schemas.microsoft.com/office/drawing/2014/main" id="{FFCC65F5-762A-C4CB-43FF-873C3232D8BA}"/>
-              </a:ext>
-            </a:extLst>
-          </p:cNvPr>
-          <p:cNvPicPr>
-            <a:picLocks noChangeAspect="1"/>
-          </p:cNvPicPr>
-          <p:nvPr/>
-        </p:nvPicPr>
-        <p:blipFill>
-          <a:blip r:embed="rId3">
-            <a:extLst>
-              <a:ext uri="{28A0092B-C50C-407E-A947-70E740481C1C}">
-                <a14:useLocalDpi xmlns:a14="http://schemas.microsoft.com/office/drawing/2010/main" val="0"/>
-              </a:ext>
-            </a:extLst>
-          </a:blip>
-          <a:stretch>
-            <a:fillRect/>
-          </a:stretch>
-        </p:blipFill>
-        <p:spPr>
-          <a:xfrm>
-            <a:off x="11079217" y="139052"/>
-            <a:ext cx="909652" cy="584776"/>
-          </a:xfrm>
-          <a:prstGeom prst="rect">
-            <a:avLst/>
-          </a:prstGeom>
-        </p:spPr>
-      </p:pic>
       <p:sp>
         <p:nvSpPr>
           <p:cNvPr id="4" name="Segnaposto numero diapositiva 3">
@@ -9282,8 +9664,8 @@
         </p:nvSpPr>
         <p:spPr>
           <a:xfrm>
-            <a:off x="1555664" y="2327898"/>
-            <a:ext cx="9202163" cy="369332"/>
+            <a:off x="1555664" y="2090846"/>
+            <a:ext cx="9202163" cy="646331"/>
           </a:xfrm>
           <a:prstGeom prst="rect">
             <a:avLst/>
@@ -9298,7 +9680,45 @@
           <a:p>
             <a:r>
               <a:rPr lang="en-US" noProof="0" dirty="0"/>
-              <a:t>First we can compare the time for solving the same problem for the Three codes:</a:t>
+              <a:t>We can immediately compare the time for solving the same problem for the four codes: </a:t>
+            </a:r>
+          </a:p>
+          <a:p>
+            <a:r>
+              <a:rPr lang="en-US" noProof="0" dirty="0"/>
+              <a:t>(</a:t>
+            </a:r>
+            <a:r>
+              <a:rPr lang="en-US" noProof="0" dirty="0" err="1"/>
+              <a:t>nx</a:t>
+            </a:r>
+            <a:r>
+              <a:rPr lang="en-US" noProof="0" dirty="0"/>
+              <a:t> = </a:t>
+            </a:r>
+            <a:r>
+              <a:rPr lang="en-US" noProof="0" dirty="0" err="1"/>
+              <a:t>ny</a:t>
+            </a:r>
+            <a:r>
+              <a:rPr lang="en-US" noProof="0" dirty="0"/>
+              <a:t> = 256, lx = </a:t>
+            </a:r>
+            <a:r>
+              <a:rPr lang="en-US" noProof="0" dirty="0" err="1"/>
+              <a:t>ly</a:t>
+            </a:r>
+            <a:r>
+              <a:rPr lang="en-US" noProof="0" dirty="0"/>
+              <a:t> = 40 m, final time = 2 s, CFL = 0.49, </a:t>
+            </a:r>
+            <a:r>
+              <a:rPr lang="en-US" noProof="0" dirty="0" err="1"/>
+              <a:t>nGP</a:t>
+            </a:r>
+            <a:r>
+              <a:rPr lang="en-US" noProof="0" dirty="0"/>
+              <a:t> = 3)</a:t>
             </a:r>
           </a:p>
         </p:txBody>
@@ -9318,7 +9738,7 @@
           <p:nvPr>
             <p:extLst>
               <p:ext uri="{D42A27DB-BD31-4B8C-83A1-F6EECF244321}">
-                <p14:modId xmlns:p14="http://schemas.microsoft.com/office/powerpoint/2010/main" val="2716747480"/>
+                <p14:modId xmlns:p14="http://schemas.microsoft.com/office/powerpoint/2010/main" val="1824324243"/>
               </p:ext>
             </p:extLst>
           </p:nvPr>
@@ -9913,6 +10333,41 @@
           </a:graphicData>
         </a:graphic>
       </p:graphicFrame>
+      <p:pic>
+        <p:nvPicPr>
+          <p:cNvPr id="6" name="Immagine 3">
+            <a:extLst>
+              <a:ext uri="{FF2B5EF4-FFF2-40B4-BE49-F238E27FC236}">
+                <a16:creationId xmlns:a16="http://schemas.microsoft.com/office/drawing/2014/main" id="{E9130440-08C5-D2ED-2A7A-5052F6F144FA}"/>
+              </a:ext>
+            </a:extLst>
+          </p:cNvPr>
+          <p:cNvPicPr>
+            <a:picLocks noChangeAspect="1"/>
+          </p:cNvPicPr>
+          <p:nvPr/>
+        </p:nvPicPr>
+        <p:blipFill>
+          <a:blip r:embed="rId3">
+            <a:extLst>
+              <a:ext uri="{96DAC541-7B7A-43D3-8B79-37D633B846F1}">
+                <asvg:svgBlip xmlns:asvg="http://schemas.microsoft.com/office/drawing/2016/SVG/main" r:embed="rId4"/>
+              </a:ext>
+            </a:extLst>
+          </a:blip>
+          <a:srcRect/>
+          <a:stretch/>
+        </p:blipFill>
+        <p:spPr>
+          <a:xfrm>
+            <a:off x="10636334" y="-12984"/>
+            <a:ext cx="1198880" cy="1198880"/>
+          </a:xfrm>
+          <a:prstGeom prst="rect">
+            <a:avLst/>
+          </a:prstGeom>
+        </p:spPr>
+      </p:pic>
     </p:spTree>
     <p:extLst>
       <p:ext uri="{BB962C8B-B14F-4D97-AF65-F5344CB8AC3E}">
@@ -9984,42 +10439,6 @@
           </a:p>
         </p:txBody>
       </p:sp>
-      <p:pic>
-        <p:nvPicPr>
-          <p:cNvPr id="3" name="Immagine 2" descr="Immagine che contiene Elementi grafici, Carattere, logo, grafica&#10;&#10;Il contenuto generato dall'IA potrebbe non essere corretto.">
-            <a:extLst>
-              <a:ext uri="{FF2B5EF4-FFF2-40B4-BE49-F238E27FC236}">
-                <a16:creationId xmlns:a16="http://schemas.microsoft.com/office/drawing/2014/main" id="{CE0E8151-D2D9-E98D-DB37-2767BAE3FFB3}"/>
-              </a:ext>
-            </a:extLst>
-          </p:cNvPr>
-          <p:cNvPicPr>
-            <a:picLocks noChangeAspect="1"/>
-          </p:cNvPicPr>
-          <p:nvPr/>
-        </p:nvPicPr>
-        <p:blipFill>
-          <a:blip r:embed="rId2">
-            <a:extLst>
-              <a:ext uri="{28A0092B-C50C-407E-A947-70E740481C1C}">
-                <a14:useLocalDpi xmlns:a14="http://schemas.microsoft.com/office/drawing/2010/main" val="0"/>
-              </a:ext>
-            </a:extLst>
-          </a:blip>
-          <a:stretch>
-            <a:fillRect/>
-          </a:stretch>
-        </p:blipFill>
-        <p:spPr>
-          <a:xfrm>
-            <a:off x="11079217" y="139052"/>
-            <a:ext cx="909652" cy="584776"/>
-          </a:xfrm>
-          <a:prstGeom prst="rect">
-            <a:avLst/>
-          </a:prstGeom>
-        </p:spPr>
-      </p:pic>
       <p:sp>
         <p:nvSpPr>
           <p:cNvPr id="4" name="Segnaposto numero diapositiva 3">
@@ -10049,8 +10468,8 @@
           </a:p>
         </p:txBody>
       </p:sp>
-      <mc:AlternateContent xmlns:mc="http://schemas.openxmlformats.org/markup-compatibility/2006">
-        <mc:Choice xmlns:a14="http://schemas.microsoft.com/office/drawing/2010/main" Requires="a14">
+      <mc:AlternateContent xmlns:mc="http://schemas.openxmlformats.org/markup-compatibility/2006" xmlns:a14="http://schemas.microsoft.com/office/drawing/2010/main">
+        <mc:Choice Requires="a14">
           <p:sp>
             <p:nvSpPr>
               <p:cNvPr id="5" name="CasellaDiTesto 4">
@@ -10483,7 +10902,7 @@
             </p:txBody>
           </p:sp>
         </mc:Choice>
-        <mc:Fallback>
+        <mc:Fallback xmlns="">
           <p:sp>
             <p:nvSpPr>
               <p:cNvPr id="5" name="CasellaDiTesto 4">
@@ -10507,7 +10926,7 @@
                 <a:avLst/>
               </a:prstGeom>
               <a:blipFill>
-                <a:blip r:embed="rId3"/>
+                <a:blip r:embed="rId2"/>
                 <a:stretch>
                   <a:fillRect l="-530" t="-681" b="-511"/>
                 </a:stretch>
@@ -10528,6 +10947,41 @@
           </p:sp>
         </mc:Fallback>
       </mc:AlternateContent>
+      <p:pic>
+        <p:nvPicPr>
+          <p:cNvPr id="6" name="Immagine 3">
+            <a:extLst>
+              <a:ext uri="{FF2B5EF4-FFF2-40B4-BE49-F238E27FC236}">
+                <a16:creationId xmlns:a16="http://schemas.microsoft.com/office/drawing/2014/main" id="{A14FCF09-CF03-9083-713F-E64ADFBD57B6}"/>
+              </a:ext>
+            </a:extLst>
+          </p:cNvPr>
+          <p:cNvPicPr>
+            <a:picLocks noChangeAspect="1"/>
+          </p:cNvPicPr>
+          <p:nvPr/>
+        </p:nvPicPr>
+        <p:blipFill>
+          <a:blip r:embed="rId3">
+            <a:extLst>
+              <a:ext uri="{96DAC541-7B7A-43D3-8B79-37D633B846F1}">
+                <asvg:svgBlip xmlns:asvg="http://schemas.microsoft.com/office/drawing/2016/SVG/main" r:embed="rId4"/>
+              </a:ext>
+            </a:extLst>
+          </a:blip>
+          <a:srcRect/>
+          <a:stretch/>
+        </p:blipFill>
+        <p:spPr>
+          <a:xfrm>
+            <a:off x="10636334" y="-12984"/>
+            <a:ext cx="1198880" cy="1198880"/>
+          </a:xfrm>
+          <a:prstGeom prst="rect">
+            <a:avLst/>
+          </a:prstGeom>
+        </p:spPr>
+      </p:pic>
     </p:spTree>
     <p:extLst>
       <p:ext uri="{BB962C8B-B14F-4D97-AF65-F5344CB8AC3E}">
